--- a/reports/Final Reports/GROUP 13 - PPT.pptx
+++ b/reports/Final Reports/GROUP 13 - PPT.pptx
@@ -21,20 +21,23 @@
     <p:sldId id="285" r:id="rId15"/>
     <p:sldId id="266" r:id="rId16"/>
     <p:sldId id="267" r:id="rId17"/>
-    <p:sldId id="260" r:id="rId18"/>
-    <p:sldId id="287" r:id="rId19"/>
-    <p:sldId id="265" r:id="rId20"/>
-    <p:sldId id="261" r:id="rId21"/>
-    <p:sldId id="268" r:id="rId22"/>
-    <p:sldId id="262" r:id="rId23"/>
-    <p:sldId id="275" r:id="rId24"/>
-    <p:sldId id="269" r:id="rId25"/>
-    <p:sldId id="284" r:id="rId26"/>
-    <p:sldId id="270" r:id="rId27"/>
-    <p:sldId id="276" r:id="rId28"/>
-    <p:sldId id="277" r:id="rId29"/>
-    <p:sldId id="278" r:id="rId30"/>
-    <p:sldId id="279" r:id="rId31"/>
+    <p:sldId id="288" r:id="rId18"/>
+    <p:sldId id="260" r:id="rId19"/>
+    <p:sldId id="287" r:id="rId20"/>
+    <p:sldId id="290" r:id="rId21"/>
+    <p:sldId id="265" r:id="rId22"/>
+    <p:sldId id="261" r:id="rId23"/>
+    <p:sldId id="268" r:id="rId24"/>
+    <p:sldId id="289" r:id="rId25"/>
+    <p:sldId id="262" r:id="rId26"/>
+    <p:sldId id="275" r:id="rId27"/>
+    <p:sldId id="269" r:id="rId28"/>
+    <p:sldId id="284" r:id="rId29"/>
+    <p:sldId id="270" r:id="rId30"/>
+    <p:sldId id="276" r:id="rId31"/>
+    <p:sldId id="277" r:id="rId32"/>
+    <p:sldId id="278" r:id="rId33"/>
+    <p:sldId id="279" r:id="rId34"/>
   </p:sldIdLst>
   <p:sldSz cx="12192000" cy="6858000"/>
   <p:notesSz cx="6858000" cy="9144000"/>
@@ -147,6 +150,7 @@
     <p1510:client id="{0F749E12-5480-48FA-9F42-614FCCB20769}" v="928" dt="2020-05-22T17:30:53.374"/>
     <p1510:client id="{C9249675-F1A6-4FB5-8AF3-F005354DE407}" v="1260" dt="2020-05-20T14:05:35.839"/>
     <p1510:client id="{CC5F119A-7B95-49FE-A5DC-981F18874E77}" v="7" dt="2020-05-20T09:33:43.766"/>
+    <p1510:client id="{F60CD48A-2C31-4B49-B90D-EA72B4E5EA1F}" v="288" dt="2020-05-25T15:13:59.959"/>
   </p1510:revLst>
 </p1510:revInfo>
 </file>
@@ -395,7 +399,7 @@
             <a:fld id="{B61BEF0D-F0BB-DE4B-95CE-6DB70DBA9567}" type="datetimeFigureOut">
               <a:rPr lang="en-US" dirty="0"/>
               <a:pPr/>
-              <a:t>5/23/2020</a:t>
+              <a:t>5/26/2020</a:t>
             </a:fld>
             <a:endParaRPr lang="en-US"/>
           </a:p>
@@ -652,7 +656,7 @@
             <a:fld id="{B61BEF0D-F0BB-DE4B-95CE-6DB70DBA9567}" type="datetimeFigureOut">
               <a:rPr lang="en-US" dirty="0"/>
               <a:pPr/>
-              <a:t>5/23/2020</a:t>
+              <a:t>5/26/2020</a:t>
             </a:fld>
             <a:endParaRPr lang="en-US"/>
           </a:p>
@@ -882,7 +886,7 @@
             <a:fld id="{B61BEF0D-F0BB-DE4B-95CE-6DB70DBA9567}" type="datetimeFigureOut">
               <a:rPr lang="en-US" dirty="0"/>
               <a:pPr/>
-              <a:t>5/23/2020</a:t>
+              <a:t>5/26/2020</a:t>
             </a:fld>
             <a:endParaRPr lang="en-US"/>
           </a:p>
@@ -1117,7 +1121,7 @@
             <a:fld id="{B61BEF0D-F0BB-DE4B-95CE-6DB70DBA9567}" type="datetimeFigureOut">
               <a:rPr lang="en-US" dirty="0"/>
               <a:pPr/>
-              <a:t>5/23/2020</a:t>
+              <a:t>5/26/2020</a:t>
             </a:fld>
             <a:endParaRPr lang="en-US"/>
           </a:p>
@@ -1420,7 +1424,7 @@
             <a:fld id="{B61BEF0D-F0BB-DE4B-95CE-6DB70DBA9567}" type="datetimeFigureOut">
               <a:rPr lang="en-US" dirty="0"/>
               <a:pPr/>
-              <a:t>5/23/2020</a:t>
+              <a:t>5/26/2020</a:t>
             </a:fld>
             <a:endParaRPr lang="en-US"/>
           </a:p>
@@ -1716,7 +1720,7 @@
             <a:fld id="{B61BEF0D-F0BB-DE4B-95CE-6DB70DBA9567}" type="datetimeFigureOut">
               <a:rPr lang="en-US" dirty="0"/>
               <a:pPr/>
-              <a:t>5/23/2020</a:t>
+              <a:t>5/26/2020</a:t>
             </a:fld>
             <a:endParaRPr lang="en-US"/>
           </a:p>
@@ -2132,7 +2136,7 @@
             <a:fld id="{B61BEF0D-F0BB-DE4B-95CE-6DB70DBA9567}" type="datetimeFigureOut">
               <a:rPr lang="en-US" dirty="0"/>
               <a:pPr/>
-              <a:t>5/23/2020</a:t>
+              <a:t>5/26/2020</a:t>
             </a:fld>
             <a:endParaRPr lang="en-US"/>
           </a:p>
@@ -2290,7 +2294,7 @@
             <a:fld id="{B61BEF0D-F0BB-DE4B-95CE-6DB70DBA9567}" type="datetimeFigureOut">
               <a:rPr lang="en-US" dirty="0"/>
               <a:pPr/>
-              <a:t>5/23/2020</a:t>
+              <a:t>5/26/2020</a:t>
             </a:fld>
             <a:endParaRPr lang="en-US"/>
           </a:p>
@@ -2382,7 +2386,7 @@
             <a:fld id="{B61BEF0D-F0BB-DE4B-95CE-6DB70DBA9567}" type="datetimeFigureOut">
               <a:rPr lang="en-US" dirty="0"/>
               <a:pPr/>
-              <a:t>5/23/2020</a:t>
+              <a:t>5/26/2020</a:t>
             </a:fld>
             <a:endParaRPr lang="en-US"/>
           </a:p>
@@ -2755,7 +2759,7 @@
             <a:fld id="{B61BEF0D-F0BB-DE4B-95CE-6DB70DBA9567}" type="datetimeFigureOut">
               <a:rPr lang="en-US" dirty="0"/>
               <a:pPr/>
-              <a:t>5/23/2020</a:t>
+              <a:t>5/26/2020</a:t>
             </a:fld>
             <a:endParaRPr lang="en-US"/>
           </a:p>
@@ -3039,7 +3043,7 @@
             <a:fld id="{B61BEF0D-F0BB-DE4B-95CE-6DB70DBA9567}" type="datetimeFigureOut">
               <a:rPr lang="en-US" dirty="0"/>
               <a:pPr/>
-              <a:t>5/23/2020</a:t>
+              <a:t>5/26/2020</a:t>
             </a:fld>
             <a:endParaRPr lang="en-US"/>
           </a:p>
@@ -3245,7 +3249,7 @@
             <a:fld id="{B61BEF0D-F0BB-DE4B-95CE-6DB70DBA9567}" type="datetimeFigureOut">
               <a:rPr lang="en-US" dirty="0"/>
               <a:pPr/>
-              <a:t>5/23/2020</a:t>
+              <a:t>5/26/2020</a:t>
             </a:fld>
             <a:endParaRPr lang="en-US"/>
           </a:p>
@@ -3859,19 +3863,7 @@
           <a:p>
             <a:r>
               <a:rPr lang="en-IN" dirty="0"/>
-              <a:t>MACHINE LEARNING </a:t>
-            </a:r>
-            <a:r>
-              <a:rPr lang="en-IN" dirty="0" smtClean="0"/>
-              <a:t>for</a:t>
-            </a:r>
-            <a:r>
-              <a:rPr lang="en-IN" dirty="0" smtClean="0"/>
-              <a:t> </a:t>
-            </a:r>
-            <a:r>
-              <a:rPr lang="en-IN" dirty="0"/>
-              <a:t>BIOINFORMATICS</a:t>
+              <a:t>MACHINE LEARNING for BIOINFORMATICS</a:t>
             </a:r>
           </a:p>
         </p:txBody>
@@ -3921,7 +3913,7 @@
           <a:lstStyle/>
           <a:p>
             <a:r>
-              <a:rPr lang="en-IN" i="1" dirty="0" smtClean="0">
+              <a:rPr lang="en-IN" i="1" dirty="0">
                 <a:solidFill>
                   <a:schemeClr val="accent1">
                     <a:lumMod val="25000"/>
@@ -3936,7 +3928,7 @@
           </a:p>
           <a:p>
             <a:r>
-              <a:rPr lang="en-IN" dirty="0" smtClean="0">
+              <a:rPr lang="en-IN" dirty="0">
                 <a:solidFill>
                   <a:schemeClr val="accent1">
                     <a:lumMod val="25000"/>
@@ -3949,7 +3941,7 @@
           </a:p>
           <a:p>
             <a:r>
-              <a:rPr lang="en-IN" dirty="0" smtClean="0">
+              <a:rPr lang="en-IN" dirty="0">
                 <a:solidFill>
                   <a:schemeClr val="accent1">
                     <a:lumMod val="25000"/>
@@ -3962,7 +3954,7 @@
           </a:p>
           <a:p>
             <a:r>
-              <a:rPr lang="en-IN" dirty="0" smtClean="0">
+              <a:rPr lang="en-IN" dirty="0">
                 <a:solidFill>
                   <a:schemeClr val="accent1">
                     <a:lumMod val="25000"/>
@@ -3975,7 +3967,7 @@
           </a:p>
           <a:p>
             <a:r>
-              <a:rPr lang="en-IN" dirty="0" smtClean="0">
+              <a:rPr lang="en-IN" dirty="0">
                 <a:solidFill>
                   <a:schemeClr val="accent1">
                     <a:lumMod val="25000"/>
@@ -3988,7 +3980,7 @@
           </a:p>
           <a:p>
             <a:r>
-              <a:rPr lang="en-IN" dirty="0" smtClean="0">
+              <a:rPr lang="en-IN" dirty="0">
                 <a:solidFill>
                   <a:schemeClr val="accent1">
                     <a:lumMod val="25000"/>
@@ -3998,14 +3990,6 @@
               </a:rPr>
               <a:t>Rohit Kumar Majee</a:t>
             </a:r>
-            <a:endParaRPr lang="en-IN" dirty="0">
-              <a:solidFill>
-                <a:schemeClr val="accent1">
-                  <a:lumMod val="25000"/>
-                  <a:lumOff val="75000"/>
-                </a:schemeClr>
-              </a:solidFill>
-            </a:endParaRPr>
           </a:p>
         </p:txBody>
       </p:sp>
@@ -4055,10 +4039,9 @@
           <a:lstStyle/>
           <a:p>
             <a:r>
-              <a:rPr lang="en-IN" dirty="0" smtClean="0"/>
+              <a:rPr lang="en-IN" dirty="0"/>
               <a:t>Total Bilirubin v Direct bilirubin</a:t>
             </a:r>
-            <a:endParaRPr lang="en-IN" dirty="0"/>
           </a:p>
         </p:txBody>
       </p:sp>
@@ -4137,10 +4120,9 @@
           <a:lstStyle/>
           <a:p>
             <a:r>
-              <a:rPr lang="en-IN" dirty="0" smtClean="0"/>
+              <a:rPr lang="en-IN" dirty="0"/>
               <a:t>Correlation Matrix</a:t>
             </a:r>
-            <a:endParaRPr lang="en-IN" dirty="0"/>
           </a:p>
         </p:txBody>
       </p:sp>
@@ -4160,10 +4142,9 @@
           <a:lstStyle/>
           <a:p>
             <a:r>
-              <a:rPr lang="en-IN" dirty="0" smtClean="0"/>
+              <a:rPr lang="en-IN" dirty="0"/>
               <a:t>We made a correlation matrix that depicts how some of the features are related to each other, if at all. High correlation among many features imply redundancy in the dataset.</a:t>
             </a:r>
-            <a:endParaRPr lang="en-IN" dirty="0"/>
           </a:p>
         </p:txBody>
       </p:sp>
@@ -4485,10 +4466,9 @@
           <a:lstStyle/>
           <a:p>
             <a:r>
-              <a:rPr lang="en-IN" dirty="0" smtClean="0"/>
+              <a:rPr lang="en-IN" dirty="0"/>
               <a:t>DIFFERENT STAGES OF THE PIPELINE</a:t>
             </a:r>
-            <a:endParaRPr lang="en-IN" dirty="0"/>
           </a:p>
         </p:txBody>
       </p:sp>
@@ -4563,7 +4543,7 @@
               <a:buNone/>
             </a:pPr>
             <a:r>
-              <a:rPr lang="en-IN" dirty="0" smtClean="0"/>
+              <a:rPr lang="en-IN" dirty="0"/>
               <a:t>In this stage, we clean our dataset and transform it in a way that helps the model.</a:t>
             </a:r>
           </a:p>
@@ -4572,28 +4552,27 @@
               <a:buNone/>
             </a:pPr>
             <a:r>
-              <a:rPr lang="en-IN" dirty="0" smtClean="0"/>
+              <a:rPr lang="en-IN" dirty="0"/>
               <a:t>It involves:</a:t>
             </a:r>
           </a:p>
           <a:p>
             <a:r>
-              <a:rPr lang="en-IN" dirty="0" smtClean="0"/>
+              <a:rPr lang="en-IN" dirty="0"/>
               <a:t>Encoding String values to Integer</a:t>
             </a:r>
           </a:p>
           <a:p>
             <a:r>
-              <a:rPr lang="en-IN" dirty="0" smtClean="0"/>
+              <a:rPr lang="en-IN" dirty="0"/>
               <a:t>Mean Imputation</a:t>
             </a:r>
           </a:p>
           <a:p>
             <a:r>
-              <a:rPr lang="en-IN" dirty="0" smtClean="0"/>
+              <a:rPr lang="en-IN" dirty="0"/>
               <a:t>Feature Scaling using a Standard Scaler</a:t>
             </a:r>
-            <a:endParaRPr lang="en-IN" dirty="0"/>
           </a:p>
         </p:txBody>
       </p:sp>
@@ -4999,7 +4978,7 @@
       </p:grpSpPr>
       <p:sp>
         <p:nvSpPr>
-          <p:cNvPr id="2" name="Title 1"/>
+          <p:cNvPr id="4" name="Title 3"/>
           <p:cNvSpPr>
             <a:spLocks noGrp="1"/>
           </p:cNvSpPr>
@@ -5012,15 +4991,161 @@
           <a:bodyPr/>
           <a:lstStyle/>
           <a:p>
-            <a:r>
-              <a:rPr lang="en-IN"/>
-              <a:t>LOGISTIC </a:t>
-            </a:r>
-            <a:r>
-              <a:rPr lang="en-IN" err="1"/>
-              <a:t>REGRESSIOn</a:t>
-            </a:r>
             <a:endParaRPr lang="en-IN"/>
+          </a:p>
+        </p:txBody>
+      </p:sp>
+      <p:sp>
+        <p:nvSpPr>
+          <p:cNvPr id="5" name="Text Placeholder 4"/>
+          <p:cNvSpPr>
+            <a:spLocks noGrp="1"/>
+          </p:cNvSpPr>
+          <p:nvPr>
+            <p:ph type="body" idx="1"/>
+          </p:nvPr>
+        </p:nvSpPr>
+        <p:spPr/>
+        <p:txBody>
+          <a:bodyPr/>
+          <a:lstStyle/>
+          <a:p>
+            <a:r>
+              <a:rPr lang="en-IN" dirty="0"/>
+              <a:t>Raw Dataset</a:t>
+            </a:r>
+          </a:p>
+        </p:txBody>
+      </p:sp>
+      <p:pic>
+        <p:nvPicPr>
+          <p:cNvPr id="9" name="Content Placeholder 8"/>
+          <p:cNvPicPr>
+            <a:picLocks noGrp="1" noChangeAspect="1"/>
+          </p:cNvPicPr>
+          <p:nvPr>
+            <p:ph sz="half" idx="2"/>
+          </p:nvPr>
+        </p:nvPicPr>
+        <p:blipFill>
+          <a:blip r:embed="rId2">
+            <a:extLst>
+              <a:ext uri="{28A0092B-C50C-407E-A947-70E740481C1C}">
+                <a14:useLocalDpi xmlns:a14="http://schemas.microsoft.com/office/drawing/2010/main" val="0"/>
+              </a:ext>
+            </a:extLst>
+          </a:blip>
+          <a:stretch>
+            <a:fillRect/>
+          </a:stretch>
+        </p:blipFill>
+        <p:spPr>
+          <a:xfrm>
+            <a:off x="581025" y="3049520"/>
+            <a:ext cx="5392738" cy="2687773"/>
+          </a:xfrm>
+        </p:spPr>
+      </p:pic>
+      <p:sp>
+        <p:nvSpPr>
+          <p:cNvPr id="7" name="Text Placeholder 6"/>
+          <p:cNvSpPr>
+            <a:spLocks noGrp="1"/>
+          </p:cNvSpPr>
+          <p:nvPr>
+            <p:ph type="body" sz="quarter" idx="3"/>
+          </p:nvPr>
+        </p:nvSpPr>
+        <p:spPr/>
+        <p:txBody>
+          <a:bodyPr/>
+          <a:lstStyle/>
+          <a:p>
+            <a:r>
+              <a:rPr lang="en-IN" dirty="0"/>
+              <a:t>		Processed and Selected</a:t>
+            </a:r>
+          </a:p>
+        </p:txBody>
+      </p:sp>
+      <p:pic>
+        <p:nvPicPr>
+          <p:cNvPr id="10" name="Content Placeholder 9"/>
+          <p:cNvPicPr>
+            <a:picLocks noGrp="1" noChangeAspect="1"/>
+          </p:cNvPicPr>
+          <p:nvPr>
+            <p:ph sz="quarter" idx="4"/>
+          </p:nvPr>
+        </p:nvPicPr>
+        <p:blipFill>
+          <a:blip r:embed="rId3">
+            <a:extLst>
+              <a:ext uri="{28A0092B-C50C-407E-A947-70E740481C1C}">
+                <a14:useLocalDpi xmlns:a14="http://schemas.microsoft.com/office/drawing/2010/main" val="0"/>
+              </a:ext>
+            </a:extLst>
+          </a:blip>
+          <a:stretch>
+            <a:fillRect/>
+          </a:stretch>
+        </p:blipFill>
+        <p:spPr>
+          <a:xfrm>
+            <a:off x="7183454" y="2925763"/>
+            <a:ext cx="3462304" cy="2935287"/>
+          </a:xfrm>
+        </p:spPr>
+      </p:pic>
+    </p:spTree>
+    <p:extLst>
+      <p:ext uri="{BB962C8B-B14F-4D97-AF65-F5344CB8AC3E}">
+        <p14:creationId xmlns:p14="http://schemas.microsoft.com/office/powerpoint/2010/main" val="2653703589"/>
+      </p:ext>
+    </p:extLst>
+  </p:cSld>
+  <p:clrMapOvr>
+    <a:masterClrMapping/>
+  </p:clrMapOvr>
+</p:sld>
+</file>
+
+<file path=ppt/slides/slide18.xml><?xml version="1.0" encoding="utf-8"?>
+<p:sld xmlns:a="http://schemas.openxmlformats.org/drawingml/2006/main" xmlns:r="http://schemas.openxmlformats.org/officeDocument/2006/relationships" xmlns:p="http://schemas.openxmlformats.org/presentationml/2006/main">
+  <p:cSld>
+    <p:spTree>
+      <p:nvGrpSpPr>
+        <p:cNvPr id="1" name=""/>
+        <p:cNvGrpSpPr/>
+        <p:nvPr/>
+      </p:nvGrpSpPr>
+      <p:grpSpPr>
+        <a:xfrm>
+          <a:off x="0" y="0"/>
+          <a:ext cx="0" cy="0"/>
+          <a:chOff x="0" y="0"/>
+          <a:chExt cx="0" cy="0"/>
+        </a:xfrm>
+      </p:grpSpPr>
+      <p:sp>
+        <p:nvSpPr>
+          <p:cNvPr id="2" name="Title 1"/>
+          <p:cNvSpPr>
+            <a:spLocks noGrp="1"/>
+          </p:cNvSpPr>
+          <p:nvPr>
+            <p:ph type="title"/>
+          </p:nvPr>
+        </p:nvSpPr>
+        <p:spPr/>
+        <p:txBody>
+          <a:bodyPr/>
+          <a:lstStyle/>
+          <a:p>
+            <a:r>
+              <a:rPr lang="en-IN" dirty="0"/>
+              <a:t>LOGISTIC Regression</a:t>
+            </a:r>
           </a:p>
         </p:txBody>
       </p:sp>
@@ -5201,118 +5326,18 @@
           </a:prstGeom>
         </p:spPr>
       </p:pic>
-    </p:spTree>
-    <p:extLst>
-      <p:ext uri="{BB962C8B-B14F-4D97-AF65-F5344CB8AC3E}">
-        <p14:creationId xmlns:p14="http://schemas.microsoft.com/office/powerpoint/2010/main" val="3165365404"/>
-      </p:ext>
-    </p:extLst>
-  </p:cSld>
-  <p:clrMapOvr>
-    <a:masterClrMapping/>
-  </p:clrMapOvr>
-</p:sld>
-</file>
-
-<file path=ppt/slides/slide18.xml><?xml version="1.0" encoding="utf-8"?>
-<p:sld xmlns:a="http://schemas.openxmlformats.org/drawingml/2006/main" xmlns:r="http://schemas.openxmlformats.org/officeDocument/2006/relationships" xmlns:p="http://schemas.openxmlformats.org/presentationml/2006/main">
-  <p:cSld>
-    <p:spTree>
-      <p:nvGrpSpPr>
-        <p:cNvPr id="1" name=""/>
-        <p:cNvGrpSpPr/>
-        <p:nvPr/>
-      </p:nvGrpSpPr>
-      <p:grpSpPr>
-        <a:xfrm>
-          <a:off x="0" y="0"/>
-          <a:ext cx="0" cy="0"/>
-          <a:chOff x="0" y="0"/>
-          <a:chExt cx="0" cy="0"/>
-        </a:xfrm>
-      </p:grpSpPr>
-      <p:sp>
-        <p:nvSpPr>
-          <p:cNvPr id="4" name="Title 3"/>
-          <p:cNvSpPr>
-            <a:spLocks noGrp="1"/>
-          </p:cNvSpPr>
-          <p:nvPr>
-            <p:ph type="title"/>
-          </p:nvPr>
-        </p:nvSpPr>
-        <p:spPr/>
-        <p:txBody>
-          <a:bodyPr/>
-          <a:lstStyle/>
-          <a:p>
-            <a:r>
-              <a:rPr lang="en-IN" dirty="0" smtClean="0"/>
-              <a:t>LOGISTIC REGRESSION - COST FUNCTION</a:t>
-            </a:r>
-            <a:endParaRPr lang="en-IN" dirty="0"/>
-          </a:p>
-        </p:txBody>
-      </p:sp>
-      <p:sp>
-        <p:nvSpPr>
-          <p:cNvPr id="5" name="Content Placeholder 4"/>
-          <p:cNvSpPr>
-            <a:spLocks noGrp="1"/>
-          </p:cNvSpPr>
-          <p:nvPr>
-            <p:ph sz="half" idx="1"/>
-          </p:nvPr>
-        </p:nvSpPr>
-        <p:spPr/>
-        <p:txBody>
-          <a:bodyPr/>
-          <a:lstStyle/>
-          <a:p>
-            <a:r>
-              <a:rPr lang="en-US" dirty="0"/>
-              <a:t>The Cost Function represent the optimization objective. Our aim is to minimize this cost function so that we can develop an accurate model with minimum error.</a:t>
-            </a:r>
-            <a:endParaRPr lang="en-IN" dirty="0"/>
-          </a:p>
-        </p:txBody>
-      </p:sp>
       <p:pic>
         <p:nvPicPr>
-          <p:cNvPr id="7" name="Content Placeholder 6"/>
-          <p:cNvPicPr>
-            <a:picLocks noGrp="1"/>
-          </p:cNvPicPr>
-          <p:nvPr>
-            <p:ph sz="half" idx="2"/>
-          </p:nvPr>
-        </p:nvPicPr>
-        <p:blipFill>
-          <a:blip r:embed="rId2">
+          <p:cNvPr id="6" name="Picture 6" descr="A picture containing clock, drawing&#10;&#10;Description generated with very high confidence">
             <a:extLst>
-              <a:ext uri="{28A0092B-C50C-407E-A947-70E740481C1C}">
-                <a14:useLocalDpi xmlns:a14="http://schemas.microsoft.com/office/drawing/2010/main" val="0"/>
+              <a:ext uri="{FF2B5EF4-FFF2-40B4-BE49-F238E27FC236}">
+                <a16:creationId xmlns:a16="http://schemas.microsoft.com/office/drawing/2014/main" xmlns="" id="{C550E3B7-F6AA-4060-B57A-4B91394A8498}"/>
               </a:ext>
             </a:extLst>
-          </a:blip>
-          <a:stretch>
-            <a:fillRect/>
-          </a:stretch>
-        </p:blipFill>
-        <p:spPr>
-          <a:xfrm>
-            <a:off x="6187909" y="4356015"/>
-            <a:ext cx="5422900" cy="1358731"/>
-          </a:xfrm>
-          <a:prstGeom prst="rect">
-            <a:avLst/>
-          </a:prstGeom>
-        </p:spPr>
-      </p:pic>
-      <p:pic>
-        <p:nvPicPr>
-          <p:cNvPr id="8" name="Picture 7" descr="1_2g14OVjyJqio2zXwJxgj2w.png"/>
-          <p:cNvPicPr/>
+          </p:cNvPr>
+          <p:cNvPicPr>
+            <a:picLocks noChangeAspect="1"/>
+          </p:cNvPicPr>
           <p:nvPr/>
         </p:nvPicPr>
         <p:blipFill>
@@ -5323,18 +5348,56 @@
         </p:blipFill>
         <p:spPr>
           <a:xfrm>
-            <a:off x="6096001" y="3002724"/>
-            <a:ext cx="5731510" cy="815975"/>
+            <a:off x="7645400" y="2750992"/>
+            <a:ext cx="2743200" cy="509347"/>
           </a:xfrm>
           <a:prstGeom prst="rect">
             <a:avLst/>
           </a:prstGeom>
         </p:spPr>
       </p:pic>
+      <p:sp>
+        <p:nvSpPr>
+          <p:cNvPr id="7" name="TextBox 6">
+            <a:extLst>
+              <a:ext uri="{FF2B5EF4-FFF2-40B4-BE49-F238E27FC236}">
+                <a16:creationId xmlns:a16="http://schemas.microsoft.com/office/drawing/2014/main" xmlns="" id="{5DC1765B-D870-43EB-B57C-1BAED9A5B135}"/>
+              </a:ext>
+            </a:extLst>
+          </p:cNvPr>
+          <p:cNvSpPr txBox="1"/>
+          <p:nvPr/>
+        </p:nvSpPr>
+        <p:spPr>
+          <a:xfrm>
+            <a:off x="7010400" y="3210983"/>
+            <a:ext cx="4224866" cy="276999"/>
+          </a:xfrm>
+          <a:prstGeom prst="rect">
+            <a:avLst/>
+          </a:prstGeom>
+          <a:noFill/>
+        </p:spPr>
+        <p:txBody>
+          <a:bodyPr rot="0" spcFirstLastPara="0" vertOverflow="overflow" horzOverflow="overflow" vert="horz" wrap="square" lIns="91440" tIns="45720" rIns="91440" bIns="45720" numCol="1" spcCol="0" rtlCol="0" fromWordArt="0" anchor="t" anchorCtr="0" forceAA="0" compatLnSpc="1">
+            <a:prstTxWarp prst="textNoShape">
+              <a:avLst/>
+            </a:prstTxWarp>
+            <a:spAutoFit/>
+          </a:bodyPr>
+          <a:lstStyle/>
+          <a:p>
+            <a:r>
+              <a:rPr lang="en-US" sz="1200" dirty="0"/>
+              <a:t>(Initial hypothesis which is given to the sigmoid function as input)</a:t>
+            </a:r>
+          </a:p>
+        </p:txBody>
+      </p:sp>
     </p:spTree>
     <p:extLst>
       <p:ext uri="{BB962C8B-B14F-4D97-AF65-F5344CB8AC3E}">
-        <p14:creationId xmlns:p14="http://schemas.microsoft.com/office/powerpoint/2010/main" val="753707802"/>
+        <p14:creationId xmlns:p14="http://schemas.microsoft.com/office/powerpoint/2010/main" val="3165365404"/>
       </p:ext>
     </p:extLst>
   </p:cSld>
@@ -5363,7 +5426,7 @@
       </p:grpSpPr>
       <p:sp>
         <p:nvSpPr>
-          <p:cNvPr id="2" name="Title 1"/>
+          <p:cNvPr id="4" name="Title 3"/>
           <p:cNvSpPr>
             <a:spLocks noGrp="1"/>
           </p:cNvSpPr>
@@ -5378,24 +5441,19 @@
           <a:p>
             <a:r>
               <a:rPr lang="en-IN" dirty="0"/>
-              <a:t>LOGISTIC </a:t>
-            </a:r>
-            <a:r>
-              <a:rPr lang="en-IN" dirty="0" smtClean="0"/>
-              <a:t>REGRESSION - MODEL</a:t>
-            </a:r>
-            <a:endParaRPr lang="en-IN" dirty="0"/>
-          </a:p>
-        </p:txBody>
-      </p:sp>
-      <p:sp>
-        <p:nvSpPr>
-          <p:cNvPr id="3" name="Content Placeholder 2"/>
-          <p:cNvSpPr>
-            <a:spLocks noGrp="1"/>
-          </p:cNvSpPr>
-          <p:nvPr>
-            <p:ph idx="1"/>
+              <a:t>LOGISTIC REGRESSION - COST FUNCTION</a:t>
+            </a:r>
+          </a:p>
+        </p:txBody>
+      </p:sp>
+      <p:sp>
+        <p:nvSpPr>
+          <p:cNvPr id="5" name="Content Placeholder 4"/>
+          <p:cNvSpPr>
+            <a:spLocks noGrp="1"/>
+          </p:cNvSpPr>
+          <p:nvPr>
+            <p:ph sz="half" idx="1"/>
           </p:nvPr>
         </p:nvSpPr>
         <p:spPr/>
@@ -5403,136 +5461,182 @@
           <a:bodyPr/>
           <a:lstStyle/>
           <a:p>
-            <a:pPr marL="0" indent="0">
-              <a:buNone/>
-            </a:pPr>
-            <a:r>
-              <a:rPr lang="en-IN">
-                <a:ea typeface="+mn-lt"/>
-                <a:cs typeface="+mn-lt"/>
-              </a:rPr>
-              <a:t>After selecting features our logistic regression model consist of the following parameters:</a:t>
-            </a:r>
-            <a:endParaRPr lang="en-US"/>
-          </a:p>
-          <a:p>
             <a:pPr marL="305435" indent="-305435"/>
             <a:r>
-              <a:rPr lang="en-IN" b="1">
-                <a:ea typeface="+mn-lt"/>
-                <a:cs typeface="+mn-lt"/>
-              </a:rPr>
-              <a:t>C </a:t>
-            </a:r>
-            <a:r>
-              <a:rPr lang="en-IN" b="1" i="1">
-                <a:ea typeface="+mn-lt"/>
-                <a:cs typeface="+mn-lt"/>
-              </a:rPr>
-              <a:t> default value=1.0 : </a:t>
-            </a:r>
-            <a:r>
-              <a:rPr lang="en-IN">
-                <a:ea typeface="+mn-lt"/>
-                <a:cs typeface="+mn-lt"/>
-              </a:rPr>
-              <a:t>Inverse of regularization strength; must be a positive float. Like in support vector machines, smaller values specify stronger regularization.</a:t>
+              <a:rPr lang="en-US" dirty="0"/>
+              <a:t>The Cost Function represent the optimization objective. Our aim is to minimize this cost function so that we can develop an accurate model with minimum error.</a:t>
             </a:r>
           </a:p>
           <a:p>
             <a:pPr marL="305435" indent="-305435"/>
-            <a:r>
-              <a:rPr lang="en-IN" b="1">
-                <a:ea typeface="+mn-lt"/>
-                <a:cs typeface="+mn-lt"/>
-              </a:rPr>
-              <a:t>tol</a:t>
-            </a:r>
-            <a:r>
-              <a:rPr lang="en-IN" b="1" i="1">
-                <a:ea typeface="+mn-lt"/>
-                <a:cs typeface="+mn-lt"/>
-              </a:rPr>
-              <a:t>float, default=1e-4 :</a:t>
-            </a:r>
-            <a:r>
-              <a:rPr lang="en-IN">
-                <a:ea typeface="+mn-lt"/>
-                <a:cs typeface="+mn-lt"/>
-              </a:rPr>
-              <a:t>Tolerance for stopping criteria.</a:t>
-            </a:r>
-            <a:endParaRPr lang="en-IN" dirty="0"/>
-          </a:p>
-          <a:p>
-            <a:pPr marL="305435" indent="-305435"/>
-            <a:r>
-              <a:rPr lang="en-IN" b="1">
-                <a:ea typeface="+mn-lt"/>
-                <a:cs typeface="+mn-lt"/>
-              </a:rPr>
-              <a:t>penalty</a:t>
-            </a:r>
-            <a:r>
-              <a:rPr lang="en-IN" b="1" i="1">
-                <a:ea typeface="+mn-lt"/>
-                <a:cs typeface="+mn-lt"/>
-              </a:rPr>
-              <a:t>{‘l1’, ‘l2’, ‘elasticnet’, ‘none’}, default=’l2’ :</a:t>
-            </a:r>
-            <a:r>
-              <a:rPr lang="en-IN">
-                <a:ea typeface="+mn-lt"/>
-                <a:cs typeface="+mn-lt"/>
-              </a:rPr>
-              <a:t>Used to specify the norm used in the penalization.</a:t>
-            </a:r>
-            <a:endParaRPr lang="en-IN" dirty="0">
-              <a:ea typeface="+mn-lt"/>
-              <a:cs typeface="+mn-lt"/>
-            </a:endParaRPr>
-          </a:p>
-          <a:p>
-            <a:pPr marL="305435" indent="-305435"/>
-            <a:r>
-              <a:rPr lang="en-IN" b="1">
-                <a:ea typeface="+mn-lt"/>
-                <a:cs typeface="+mn-lt"/>
-              </a:rPr>
-              <a:t>solver</a:t>
-            </a:r>
-            <a:r>
-              <a:rPr lang="en-IN" b="1" i="1">
-                <a:ea typeface="+mn-lt"/>
-                <a:cs typeface="+mn-lt"/>
-              </a:rPr>
-              <a:t>{‘newton-cg’, ‘lbfgs’, ‘liblinear’, ‘sag’, ‘saga’}, default=’lbfgs’: </a:t>
-            </a:r>
-            <a:r>
-              <a:rPr lang="en-IN">
-                <a:ea typeface="+mn-lt"/>
-                <a:cs typeface="+mn-lt"/>
-              </a:rPr>
-              <a:t>Algorithm to use in the optimization problem.</a:t>
-            </a:r>
-            <a:endParaRPr lang="en-IN" dirty="0"/>
-          </a:p>
-          <a:p>
-            <a:pPr marL="305435" indent="-305435"/>
-            <a:endParaRPr lang="en-IN" dirty="0"/>
-          </a:p>
-          <a:p>
-            <a:pPr marL="0" indent="0">
-              <a:buNone/>
-            </a:pPr>
-            <a:endParaRPr lang="en-IN" dirty="0"/>
+            <a:endParaRPr lang="en-US" dirty="0"/>
+          </a:p>
+        </p:txBody>
+      </p:sp>
+      <p:pic>
+        <p:nvPicPr>
+          <p:cNvPr id="7" name="Content Placeholder 6"/>
+          <p:cNvPicPr>
+            <a:picLocks noGrp="1"/>
+          </p:cNvPicPr>
+          <p:nvPr>
+            <p:ph sz="half" idx="2"/>
+          </p:nvPr>
+        </p:nvPicPr>
+        <p:blipFill>
+          <a:blip r:embed="rId2">
+            <a:extLst>
+              <a:ext uri="{28A0092B-C50C-407E-A947-70E740481C1C}">
+                <a14:useLocalDpi xmlns:a14="http://schemas.microsoft.com/office/drawing/2010/main" val="0"/>
+              </a:ext>
+            </a:extLst>
+          </a:blip>
+          <a:stretch>
+            <a:fillRect/>
+          </a:stretch>
+        </p:blipFill>
+        <p:spPr>
+          <a:xfrm>
+            <a:off x="6178765" y="4356015"/>
+            <a:ext cx="5422900" cy="1358731"/>
+          </a:xfrm>
+          <a:prstGeom prst="rect">
+            <a:avLst/>
+          </a:prstGeom>
+        </p:spPr>
+      </p:pic>
+      <p:pic>
+        <p:nvPicPr>
+          <p:cNvPr id="8" name="Picture 7" descr="1_2g14OVjyJqio2zXwJxgj2w.png"/>
+          <p:cNvPicPr/>
+          <p:nvPr/>
+        </p:nvPicPr>
+        <p:blipFill>
+          <a:blip r:embed="rId3"/>
+          <a:stretch>
+            <a:fillRect/>
+          </a:stretch>
+        </p:blipFill>
+        <p:spPr>
+          <a:xfrm>
+            <a:off x="6180668" y="3097974"/>
+            <a:ext cx="5731510" cy="815975"/>
+          </a:xfrm>
+          <a:prstGeom prst="rect">
+            <a:avLst/>
+          </a:prstGeom>
+        </p:spPr>
+      </p:pic>
+      <p:pic>
+        <p:nvPicPr>
+          <p:cNvPr id="2" name="Picture 2" descr="A close up of a clock&#10;&#10;Description generated with high confidence">
+            <a:extLst>
+              <a:ext uri="{FF2B5EF4-FFF2-40B4-BE49-F238E27FC236}">
+                <a16:creationId xmlns:a16="http://schemas.microsoft.com/office/drawing/2014/main" xmlns="" id="{A8D2DCF2-AE3E-47CD-8465-1A270DF2532E}"/>
+              </a:ext>
+            </a:extLst>
+          </p:cNvPr>
+          <p:cNvPicPr>
+            <a:picLocks noChangeAspect="1"/>
+          </p:cNvPicPr>
+          <p:nvPr/>
+        </p:nvPicPr>
+        <p:blipFill>
+          <a:blip r:embed="rId4"/>
+          <a:stretch>
+            <a:fillRect/>
+          </a:stretch>
+        </p:blipFill>
+        <p:spPr>
+          <a:xfrm>
+            <a:off x="797983" y="5035982"/>
+            <a:ext cx="3335866" cy="543119"/>
+          </a:xfrm>
+          <a:prstGeom prst="rect">
+            <a:avLst/>
+          </a:prstGeom>
+        </p:spPr>
+      </p:pic>
+      <p:sp>
+        <p:nvSpPr>
+          <p:cNvPr id="3" name="TextBox 2">
+            <a:extLst>
+              <a:ext uri="{FF2B5EF4-FFF2-40B4-BE49-F238E27FC236}">
+                <a16:creationId xmlns:a16="http://schemas.microsoft.com/office/drawing/2014/main" xmlns="" id="{FA439B6E-CCDA-4874-AEC1-6BE2176B71BD}"/>
+              </a:ext>
+            </a:extLst>
+          </p:cNvPr>
+          <p:cNvSpPr txBox="1"/>
+          <p:nvPr/>
+        </p:nvSpPr>
+        <p:spPr>
+          <a:xfrm>
+            <a:off x="734484" y="5571067"/>
+            <a:ext cx="3462866" cy="276999"/>
+          </a:xfrm>
+          <a:prstGeom prst="rect">
+            <a:avLst/>
+          </a:prstGeom>
+          <a:noFill/>
+        </p:spPr>
+        <p:txBody>
+          <a:bodyPr rot="0" spcFirstLastPara="0" vertOverflow="overflow" horzOverflow="overflow" vert="horz" wrap="square" lIns="91440" tIns="45720" rIns="91440" bIns="45720" numCol="1" spcCol="0" rtlCol="0" fromWordArt="0" anchor="t" anchorCtr="0" forceAA="0" compatLnSpc="1">
+            <a:prstTxWarp prst="textNoShape">
+              <a:avLst/>
+            </a:prstTxWarp>
+            <a:spAutoFit/>
+          </a:bodyPr>
+          <a:lstStyle/>
+          <a:p>
+            <a:r>
+              <a:rPr lang="en-US" sz="1200" dirty="0"/>
+              <a:t>(Traditional cost function that could have been used)</a:t>
+            </a:r>
+          </a:p>
+        </p:txBody>
+      </p:sp>
+      <p:sp>
+        <p:nvSpPr>
+          <p:cNvPr id="6" name="TextBox 5">
+            <a:extLst>
+              <a:ext uri="{FF2B5EF4-FFF2-40B4-BE49-F238E27FC236}">
+                <a16:creationId xmlns:a16="http://schemas.microsoft.com/office/drawing/2014/main" xmlns="" id="{1542CD06-B6DC-4F42-9DEA-94D4F5DB10A2}"/>
+              </a:ext>
+            </a:extLst>
+          </p:cNvPr>
+          <p:cNvSpPr txBox="1"/>
+          <p:nvPr/>
+        </p:nvSpPr>
+        <p:spPr>
+          <a:xfrm>
+            <a:off x="7015692" y="5819775"/>
+            <a:ext cx="4076700" cy="369332"/>
+          </a:xfrm>
+          <a:prstGeom prst="rect">
+            <a:avLst/>
+          </a:prstGeom>
+          <a:noFill/>
+        </p:spPr>
+        <p:txBody>
+          <a:bodyPr rot="0" spcFirstLastPara="0" vertOverflow="overflow" horzOverflow="overflow" vert="horz" wrap="square" lIns="91440" tIns="45720" rIns="91440" bIns="45720" numCol="1" spcCol="0" rtlCol="0" fromWordArt="0" anchor="t" anchorCtr="0" forceAA="0" compatLnSpc="1">
+            <a:prstTxWarp prst="textNoShape">
+              <a:avLst/>
+            </a:prstTxWarp>
+            <a:spAutoFit/>
+          </a:bodyPr>
+          <a:lstStyle/>
+          <a:p>
+            <a:r>
+              <a:rPr lang="en-US" dirty="0"/>
+              <a:t>Cost function used in logistic regression</a:t>
+            </a:r>
           </a:p>
         </p:txBody>
       </p:sp>
     </p:spTree>
     <p:extLst>
       <p:ext uri="{BB962C8B-B14F-4D97-AF65-F5344CB8AC3E}">
-        <p14:creationId xmlns:p14="http://schemas.microsoft.com/office/powerpoint/2010/main" val="2338616781"/>
+        <p14:creationId xmlns:p14="http://schemas.microsoft.com/office/powerpoint/2010/main" val="753707802"/>
       </p:ext>
     </p:extLst>
   </p:cSld>
@@ -5602,60 +5706,60 @@
           <a:lstStyle/>
           <a:p>
             <a:r>
-              <a:rPr lang="en-IN" dirty="0" smtClean="0"/>
+              <a:rPr lang="en-IN" dirty="0"/>
               <a:t>Introduction</a:t>
             </a:r>
           </a:p>
           <a:p>
             <a:r>
-              <a:rPr lang="en-IN" dirty="0" smtClean="0"/>
+              <a:rPr lang="en-IN" dirty="0"/>
               <a:t>What is Machine Learning?</a:t>
             </a:r>
           </a:p>
           <a:p>
             <a:r>
-              <a:rPr lang="en-IN" dirty="0" smtClean="0"/>
+              <a:rPr lang="en-IN" dirty="0"/>
               <a:t>Dataset</a:t>
             </a:r>
           </a:p>
           <a:p>
             <a:r>
-              <a:rPr lang="en-IN" dirty="0" smtClean="0"/>
+              <a:rPr lang="en-IN" dirty="0"/>
               <a:t>Implementation</a:t>
             </a:r>
           </a:p>
           <a:p>
             <a:r>
-              <a:rPr lang="en-IN" dirty="0" smtClean="0"/>
+              <a:rPr lang="en-IN" dirty="0"/>
               <a:t>GUI</a:t>
             </a:r>
           </a:p>
           <a:p>
             <a:r>
-              <a:rPr lang="en-IN" dirty="0" smtClean="0"/>
+              <a:rPr lang="en-IN" dirty="0"/>
               <a:t>Results</a:t>
             </a:r>
           </a:p>
           <a:p>
             <a:r>
-              <a:rPr lang="en-IN" dirty="0" smtClean="0"/>
+              <a:rPr lang="en-IN" dirty="0"/>
               <a:t>Comparative Study</a:t>
             </a:r>
           </a:p>
           <a:p>
             <a:r>
-              <a:rPr lang="en-IN" dirty="0" smtClean="0"/>
+              <a:rPr lang="en-IN" dirty="0"/>
               <a:t>Conclusion</a:t>
             </a:r>
           </a:p>
           <a:p>
-            <a:endParaRPr lang="en-IN" dirty="0" smtClean="0"/>
-          </a:p>
-          <a:p>
-            <a:endParaRPr lang="en-IN" dirty="0" smtClean="0"/>
-          </a:p>
-          <a:p>
-            <a:endParaRPr lang="en-IN" dirty="0" smtClean="0"/>
+            <a:endParaRPr lang="en-IN" dirty="0"/>
+          </a:p>
+          <a:p>
+            <a:endParaRPr lang="en-IN" dirty="0"/>
+          </a:p>
+          <a:p>
+            <a:endParaRPr lang="en-IN" dirty="0"/>
           </a:p>
           <a:p>
             <a:endParaRPr lang="en-IN" dirty="0"/>
@@ -6154,7 +6258,7 @@
       </p:grpSpPr>
       <p:sp>
         <p:nvSpPr>
-          <p:cNvPr id="2" name="Title 1"/>
+          <p:cNvPr id="6" name="Title 5"/>
           <p:cNvSpPr>
             <a:spLocks noGrp="1"/>
           </p:cNvSpPr>
@@ -6168,20 +6272,109 @@
           <a:lstStyle/>
           <a:p>
             <a:r>
-              <a:rPr lang="en-IN"/>
-              <a:t>GENETIC ALGORITHM</a:t>
-            </a:r>
-          </a:p>
-        </p:txBody>
-      </p:sp>
-      <p:sp>
-        <p:nvSpPr>
-          <p:cNvPr id="3" name="Content Placeholder 2"/>
-          <p:cNvSpPr>
-            <a:spLocks noGrp="1"/>
-          </p:cNvSpPr>
-          <p:nvPr>
-            <p:ph idx="1"/>
+              <a:rPr lang="en-IN" dirty="0"/>
+              <a:t>GRADIENT DESCENT</a:t>
+            </a:r>
+          </a:p>
+        </p:txBody>
+      </p:sp>
+      <p:pic>
+        <p:nvPicPr>
+          <p:cNvPr id="4" name="Content Placeholder 3"/>
+          <p:cNvPicPr>
+            <a:picLocks noGrp="1" noChangeAspect="1"/>
+          </p:cNvPicPr>
+          <p:nvPr>
+            <p:ph idx="4294967295"/>
+          </p:nvPr>
+        </p:nvPicPr>
+        <p:blipFill>
+          <a:blip r:embed="rId2">
+            <a:extLst>
+              <a:ext uri="{28A0092B-C50C-407E-A947-70E740481C1C}">
+                <a14:useLocalDpi xmlns:a14="http://schemas.microsoft.com/office/drawing/2010/main" val="0"/>
+              </a:ext>
+            </a:extLst>
+          </a:blip>
+          <a:stretch>
+            <a:fillRect/>
+          </a:stretch>
+        </p:blipFill>
+        <p:spPr>
+          <a:xfrm>
+            <a:off x="164592" y="3254502"/>
+            <a:ext cx="4511675" cy="1773238"/>
+          </a:xfrm>
+        </p:spPr>
+      </p:pic>
+      <p:pic>
+        <p:nvPicPr>
+          <p:cNvPr id="5" name="Picture 4"/>
+          <p:cNvPicPr>
+            <a:picLocks noChangeAspect="1"/>
+          </p:cNvPicPr>
+          <p:nvPr/>
+        </p:nvPicPr>
+        <p:blipFill>
+          <a:blip r:embed="rId3">
+            <a:extLst>
+              <a:ext uri="{28A0092B-C50C-407E-A947-70E740481C1C}">
+                <a14:useLocalDpi xmlns:a14="http://schemas.microsoft.com/office/drawing/2010/main" val="0"/>
+              </a:ext>
+            </a:extLst>
+          </a:blip>
+          <a:stretch>
+            <a:fillRect/>
+          </a:stretch>
+        </p:blipFill>
+        <p:spPr>
+          <a:xfrm>
+            <a:off x="4376602" y="2331719"/>
+            <a:ext cx="7414585" cy="4166997"/>
+          </a:xfrm>
+          <a:prstGeom prst="rect">
+            <a:avLst/>
+          </a:prstGeom>
+        </p:spPr>
+      </p:pic>
+    </p:spTree>
+    <p:extLst>
+      <p:ext uri="{BB962C8B-B14F-4D97-AF65-F5344CB8AC3E}">
+        <p14:creationId xmlns:p14="http://schemas.microsoft.com/office/powerpoint/2010/main" val="1882288649"/>
+      </p:ext>
+    </p:extLst>
+  </p:cSld>
+  <p:clrMapOvr>
+    <a:masterClrMapping/>
+  </p:clrMapOvr>
+</p:sld>
+</file>
+
+<file path=ppt/slides/slide21.xml><?xml version="1.0" encoding="utf-8"?>
+<p:sld xmlns:a="http://schemas.openxmlformats.org/drawingml/2006/main" xmlns:r="http://schemas.openxmlformats.org/officeDocument/2006/relationships" xmlns:p="http://schemas.openxmlformats.org/presentationml/2006/main">
+  <p:cSld>
+    <p:spTree>
+      <p:nvGrpSpPr>
+        <p:cNvPr id="1" name=""/>
+        <p:cNvGrpSpPr/>
+        <p:nvPr/>
+      </p:nvGrpSpPr>
+      <p:grpSpPr>
+        <a:xfrm>
+          <a:off x="0" y="0"/>
+          <a:ext cx="0" cy="0"/>
+          <a:chOff x="0" y="0"/>
+          <a:chExt cx="0" cy="0"/>
+        </a:xfrm>
+      </p:grpSpPr>
+      <p:sp>
+        <p:nvSpPr>
+          <p:cNvPr id="2" name="Title 1"/>
+          <p:cNvSpPr>
+            <a:spLocks noGrp="1"/>
+          </p:cNvSpPr>
+          <p:nvPr>
+            <p:ph type="title"/>
           </p:nvPr>
         </p:nvSpPr>
         <p:spPr/>
@@ -6189,37 +6382,238 @@
           <a:bodyPr/>
           <a:lstStyle/>
           <a:p>
-            <a:pPr marL="305435" indent="-305435"/>
+            <a:r>
+              <a:rPr lang="en-IN" dirty="0"/>
+              <a:t>LOGISTIC REGRESSION - MODEL</a:t>
+            </a:r>
+          </a:p>
+        </p:txBody>
+      </p:sp>
+      <p:sp>
+        <p:nvSpPr>
+          <p:cNvPr id="3" name="Content Placeholder 2"/>
+          <p:cNvSpPr>
+            <a:spLocks noGrp="1"/>
+          </p:cNvSpPr>
+          <p:nvPr>
+            <p:ph idx="1"/>
+          </p:nvPr>
+        </p:nvSpPr>
+        <p:spPr/>
+        <p:txBody>
+          <a:bodyPr/>
+          <a:lstStyle/>
+          <a:p>
+            <a:pPr marL="0" indent="0">
+              <a:buNone/>
+            </a:pPr>
             <a:r>
               <a:rPr lang="en-IN">
                 <a:ea typeface="+mn-lt"/>
                 <a:cs typeface="+mn-lt"/>
               </a:rPr>
-              <a:t>A Genetic Algorithms is a type of optimization algorithms. It is a stochastic method for function optimization based on the mechanics of natural genetics and biological evolution.</a:t>
-            </a:r>
+              <a:t>After selecting features our logistic regression model consist of the following parameters:</a:t>
+            </a:r>
+            <a:endParaRPr lang="en-US"/>
           </a:p>
           <a:p>
             <a:pPr marL="305435" indent="-305435"/>
+            <a:r>
+              <a:rPr lang="en-IN" b="1">
+                <a:ea typeface="+mn-lt"/>
+                <a:cs typeface="+mn-lt"/>
+              </a:rPr>
+              <a:t>C </a:t>
+            </a:r>
+            <a:r>
+              <a:rPr lang="en-IN" b="1" i="1">
+                <a:ea typeface="+mn-lt"/>
+                <a:cs typeface="+mn-lt"/>
+              </a:rPr>
+              <a:t> default value=1.0 : </a:t>
+            </a:r>
             <a:r>
               <a:rPr lang="en-IN">
                 <a:ea typeface="+mn-lt"/>
                 <a:cs typeface="+mn-lt"/>
               </a:rPr>
-              <a:t>A </a:t>
-            </a:r>
+              <a:t>Inverse of regularization strength; must be a positive float. Like in support vector machines, smaller values specify stronger regularization.</a:t>
+            </a:r>
+          </a:p>
+          <a:p>
+            <a:pPr marL="305435" indent="-305435"/>
             <a:r>
               <a:rPr lang="en-IN" b="1">
                 <a:ea typeface="+mn-lt"/>
                 <a:cs typeface="+mn-lt"/>
               </a:rPr>
-              <a:t>genetic algorithm</a:t>
+              <a:t>tol</a:t>
+            </a:r>
+            <a:r>
+              <a:rPr lang="en-IN" b="1" i="1">
+                <a:ea typeface="+mn-lt"/>
+                <a:cs typeface="+mn-lt"/>
+              </a:rPr>
+              <a:t>float, default=1e-4 :</a:t>
             </a:r>
             <a:r>
               <a:rPr lang="en-IN">
                 <a:ea typeface="+mn-lt"/>
                 <a:cs typeface="+mn-lt"/>
               </a:rPr>
-              <a:t> is a search heuristic that is inspired by Charles Darwin’s theory of natural evolution. This algorithm reflects the process of natural selection where the fittest individuals are selected for reproduction in order to produce offspring of the next generation.</a:t>
+              <a:t>Tolerance for stopping criteria.</a:t>
+            </a:r>
+            <a:endParaRPr lang="en-IN" dirty="0"/>
+          </a:p>
+          <a:p>
+            <a:pPr marL="305435" indent="-305435"/>
+            <a:r>
+              <a:rPr lang="en-IN" b="1">
+                <a:ea typeface="+mn-lt"/>
+                <a:cs typeface="+mn-lt"/>
+              </a:rPr>
+              <a:t>penalty</a:t>
+            </a:r>
+            <a:r>
+              <a:rPr lang="en-IN" b="1" i="1">
+                <a:ea typeface="+mn-lt"/>
+                <a:cs typeface="+mn-lt"/>
+              </a:rPr>
+              <a:t>{‘l1’, ‘l2’, ‘elasticnet’, ‘none’}, default=’l2’ :</a:t>
+            </a:r>
+            <a:r>
+              <a:rPr lang="en-IN">
+                <a:ea typeface="+mn-lt"/>
+                <a:cs typeface="+mn-lt"/>
+              </a:rPr>
+              <a:t>Used to specify the norm used in the penalization.</a:t>
+            </a:r>
+            <a:endParaRPr lang="en-IN" dirty="0">
+              <a:ea typeface="+mn-lt"/>
+              <a:cs typeface="+mn-lt"/>
+            </a:endParaRPr>
+          </a:p>
+          <a:p>
+            <a:pPr marL="305435" indent="-305435"/>
+            <a:r>
+              <a:rPr lang="en-IN" b="1">
+                <a:ea typeface="+mn-lt"/>
+                <a:cs typeface="+mn-lt"/>
+              </a:rPr>
+              <a:t>solver</a:t>
+            </a:r>
+            <a:r>
+              <a:rPr lang="en-IN" b="1" i="1">
+                <a:ea typeface="+mn-lt"/>
+                <a:cs typeface="+mn-lt"/>
+              </a:rPr>
+              <a:t>{‘newton-cg’, ‘lbfgs’, ‘liblinear’, ‘sag’, ‘saga’}, default=’lbfgs’: </a:t>
+            </a:r>
+            <a:r>
+              <a:rPr lang="en-IN">
+                <a:ea typeface="+mn-lt"/>
+                <a:cs typeface="+mn-lt"/>
+              </a:rPr>
+              <a:t>Algorithm to use in the optimization problem.</a:t>
+            </a:r>
+            <a:endParaRPr lang="en-IN" dirty="0"/>
+          </a:p>
+          <a:p>
+            <a:pPr marL="305435" indent="-305435"/>
+            <a:endParaRPr lang="en-IN" dirty="0"/>
+          </a:p>
+          <a:p>
+            <a:pPr marL="0" indent="0">
+              <a:buNone/>
+            </a:pPr>
+            <a:endParaRPr lang="en-IN" dirty="0"/>
+          </a:p>
+        </p:txBody>
+      </p:sp>
+    </p:spTree>
+    <p:extLst>
+      <p:ext uri="{BB962C8B-B14F-4D97-AF65-F5344CB8AC3E}">
+        <p14:creationId xmlns:p14="http://schemas.microsoft.com/office/powerpoint/2010/main" val="2338616781"/>
+      </p:ext>
+    </p:extLst>
+  </p:cSld>
+  <p:clrMapOvr>
+    <a:masterClrMapping/>
+  </p:clrMapOvr>
+</p:sld>
+</file>
+
+<file path=ppt/slides/slide22.xml><?xml version="1.0" encoding="utf-8"?>
+<p:sld xmlns:a="http://schemas.openxmlformats.org/drawingml/2006/main" xmlns:r="http://schemas.openxmlformats.org/officeDocument/2006/relationships" xmlns:p="http://schemas.openxmlformats.org/presentationml/2006/main">
+  <p:cSld>
+    <p:spTree>
+      <p:nvGrpSpPr>
+        <p:cNvPr id="1" name=""/>
+        <p:cNvGrpSpPr/>
+        <p:nvPr/>
+      </p:nvGrpSpPr>
+      <p:grpSpPr>
+        <a:xfrm>
+          <a:off x="0" y="0"/>
+          <a:ext cx="0" cy="0"/>
+          <a:chOff x="0" y="0"/>
+          <a:chExt cx="0" cy="0"/>
+        </a:xfrm>
+      </p:grpSpPr>
+      <p:sp>
+        <p:nvSpPr>
+          <p:cNvPr id="2" name="Title 1"/>
+          <p:cNvSpPr>
+            <a:spLocks noGrp="1"/>
+          </p:cNvSpPr>
+          <p:nvPr>
+            <p:ph type="title"/>
+          </p:nvPr>
+        </p:nvSpPr>
+        <p:spPr/>
+        <p:txBody>
+          <a:bodyPr/>
+          <a:lstStyle/>
+          <a:p>
+            <a:r>
+              <a:rPr lang="en-IN"/>
+              <a:t>GENETIC ALGORITHM</a:t>
+            </a:r>
+          </a:p>
+        </p:txBody>
+      </p:sp>
+      <p:sp>
+        <p:nvSpPr>
+          <p:cNvPr id="3" name="Content Placeholder 2"/>
+          <p:cNvSpPr>
+            <a:spLocks noGrp="1"/>
+          </p:cNvSpPr>
+          <p:nvPr>
+            <p:ph idx="1"/>
+          </p:nvPr>
+        </p:nvSpPr>
+        <p:spPr/>
+        <p:txBody>
+          <a:bodyPr/>
+          <a:lstStyle/>
+          <a:p>
+            <a:pPr marL="305435" indent="-305435"/>
+            <a:r>
+              <a:rPr lang="en-IN" dirty="0">
+                <a:ea typeface="+mn-lt"/>
+                <a:cs typeface="+mn-lt"/>
+              </a:rPr>
+              <a:t>A Genetic Algorithms is a type of optimization algorithms. It is a stochastic method for function optimization based on the mechanics of natural genetics and biological evolution.</a:t>
+            </a:r>
+          </a:p>
+          <a:p>
+            <a:pPr marL="305435" indent="-305435"/>
+            <a:r>
+              <a:rPr lang="en-IN" dirty="0">
+                <a:ea typeface="+mn-lt"/>
+                <a:cs typeface="+mn-lt"/>
+              </a:rPr>
+              <a:t>It is a search heuristic that is inspired by Charles Darwin’s theory of natural evolution. This algorithm reflects the process of natural selection where the fittest individuals are selected for reproduction in order to produce offspring of the next generation.</a:t>
             </a:r>
             <a:endParaRPr lang="en-IN" dirty="0"/>
           </a:p>
@@ -6238,7 +6632,7 @@
 </p:sld>
 </file>
 
-<file path=ppt/slides/slide21.xml><?xml version="1.0" encoding="utf-8"?>
+<file path=ppt/slides/slide23.xml><?xml version="1.0" encoding="utf-8"?>
 <p:sld xmlns:a="http://schemas.openxmlformats.org/drawingml/2006/main" xmlns:r="http://schemas.openxmlformats.org/officeDocument/2006/relationships" xmlns:p="http://schemas.openxmlformats.org/presentationml/2006/main">
   <p:cSld>
     <p:bg>
@@ -6672,6 +7066,66 @@
       </p:sp>
       <p:pic>
         <p:nvPicPr>
+          <p:cNvPr id="5" name="Picture 4"/>
+          <p:cNvPicPr>
+            <a:picLocks noChangeAspect="1"/>
+          </p:cNvPicPr>
+          <p:nvPr/>
+        </p:nvPicPr>
+        <p:blipFill>
+          <a:blip r:embed="rId2">
+            <a:extLst>
+              <a:ext uri="{28A0092B-C50C-407E-A947-70E740481C1C}">
+                <a14:useLocalDpi xmlns:a14="http://schemas.microsoft.com/office/drawing/2010/main" val="0"/>
+              </a:ext>
+            </a:extLst>
+          </a:blip>
+          <a:stretch>
+            <a:fillRect/>
+          </a:stretch>
+        </p:blipFill>
+        <p:spPr>
+          <a:xfrm>
+            <a:off x="6690878" y="922659"/>
+            <a:ext cx="5198569" cy="5303520"/>
+          </a:xfrm>
+          <a:prstGeom prst="rect">
+            <a:avLst/>
+          </a:prstGeom>
+        </p:spPr>
+      </p:pic>
+    </p:spTree>
+    <p:extLst>
+      <p:ext uri="{BB962C8B-B14F-4D97-AF65-F5344CB8AC3E}">
+        <p14:creationId xmlns:p14="http://schemas.microsoft.com/office/powerpoint/2010/main" val="276768033"/>
+      </p:ext>
+    </p:extLst>
+  </p:cSld>
+  <p:clrMapOvr>
+    <a:overrideClrMapping bg1="dk1" tx1="lt1" bg2="dk2" tx2="lt2" accent1="accent1" accent2="accent2" accent3="accent3" accent4="accent4" accent5="accent5" accent6="accent6" hlink="hlink" folHlink="folHlink"/>
+  </p:clrMapOvr>
+</p:sld>
+</file>
+
+<file path=ppt/slides/slide24.xml><?xml version="1.0" encoding="utf-8"?>
+<p:sld xmlns:a="http://schemas.openxmlformats.org/drawingml/2006/main" xmlns:r="http://schemas.openxmlformats.org/officeDocument/2006/relationships" xmlns:p="http://schemas.openxmlformats.org/presentationml/2006/main">
+  <p:cSld>
+    <p:spTree>
+      <p:nvGrpSpPr>
+        <p:cNvPr id="1" name=""/>
+        <p:cNvGrpSpPr/>
+        <p:nvPr/>
+      </p:nvGrpSpPr>
+      <p:grpSpPr>
+        <a:xfrm>
+          <a:off x="0" y="0"/>
+          <a:ext cx="0" cy="0"/>
+          <a:chOff x="0" y="0"/>
+          <a:chExt cx="0" cy="0"/>
+        </a:xfrm>
+      </p:grpSpPr>
+      <p:pic>
+        <p:nvPicPr>
           <p:cNvPr id="4" name="Picture 4" descr="A close up of a device&#10;&#10;Description generated with high confidence">
             <a:extLst>
               <a:ext uri="{FF2B5EF4-FFF2-40B4-BE49-F238E27FC236}">
@@ -6692,8 +7146,8 @@
         </p:blipFill>
         <p:spPr>
           <a:xfrm>
-            <a:off x="6774692" y="960723"/>
-            <a:ext cx="3852425" cy="5443072"/>
+            <a:off x="3437752" y="905255"/>
+            <a:ext cx="3996319" cy="5646380"/>
           </a:xfrm>
           <a:prstGeom prst="rect">
             <a:avLst/>
@@ -6703,17 +7157,17 @@
     </p:spTree>
     <p:extLst>
       <p:ext uri="{BB962C8B-B14F-4D97-AF65-F5344CB8AC3E}">
-        <p14:creationId xmlns:p14="http://schemas.microsoft.com/office/powerpoint/2010/main" val="276768033"/>
+        <p14:creationId xmlns:p14="http://schemas.microsoft.com/office/powerpoint/2010/main" val="361504987"/>
       </p:ext>
     </p:extLst>
   </p:cSld>
   <p:clrMapOvr>
-    <a:overrideClrMapping bg1="dk1" tx1="lt1" bg2="dk2" tx2="lt2" accent1="accent1" accent2="accent2" accent3="accent3" accent4="accent4" accent5="accent5" accent6="accent6" hlink="hlink" folHlink="folHlink"/>
+    <a:masterClrMapping/>
   </p:clrMapOvr>
 </p:sld>
 </file>
 
-<file path=ppt/slides/slide22.xml><?xml version="1.0" encoding="utf-8"?>
+<file path=ppt/slides/slide25.xml><?xml version="1.0" encoding="utf-8"?>
 <p:sld xmlns:a="http://schemas.openxmlformats.org/drawingml/2006/main" xmlns:r="http://schemas.openxmlformats.org/officeDocument/2006/relationships" xmlns:p="http://schemas.openxmlformats.org/presentationml/2006/main">
   <p:cSld>
     <p:bg>
@@ -7027,37 +7481,17 @@
                 <a:ea typeface="+mn-lt"/>
                 <a:cs typeface="+mn-lt"/>
               </a:rPr>
-              <a:t>In order to make our prediction model interactive and responsive to a query based interface, we used </a:t>
-            </a:r>
-            <a:r>
-              <a:rPr lang="en-IN" dirty="0" smtClean="0">
+              <a:t>In order to make our prediction model interactive and responsive to a query based interface, we used ‘</a:t>
+            </a:r>
+            <a:r>
+              <a:rPr lang="en-IN" dirty="0" err="1">
                 <a:solidFill>
                   <a:srgbClr val="FFFFFF"/>
                 </a:solidFill>
                 <a:ea typeface="+mn-lt"/>
                 <a:cs typeface="+mn-lt"/>
               </a:rPr>
-              <a:t>‘</a:t>
-            </a:r>
-            <a:r>
-              <a:rPr lang="en-IN" dirty="0" err="1" smtClean="0">
-                <a:solidFill>
-                  <a:srgbClr val="FFFFFF"/>
-                </a:solidFill>
-                <a:ea typeface="+mn-lt"/>
-                <a:cs typeface="+mn-lt"/>
-              </a:rPr>
               <a:t>tkinter</a:t>
-            </a:r>
-            <a:r>
-              <a:rPr lang="en-IN" dirty="0" smtClean="0">
-                <a:solidFill>
-                  <a:srgbClr val="FFFFFF"/>
-                </a:solidFill>
-                <a:ea typeface="+mn-lt"/>
-                <a:cs typeface="+mn-lt"/>
-              </a:rPr>
-              <a:t>’ </a:t>
             </a:r>
             <a:r>
               <a:rPr lang="en-IN" dirty="0">
@@ -7067,7 +7501,7 @@
                 <a:ea typeface="+mn-lt"/>
                 <a:cs typeface="+mn-lt"/>
               </a:rPr>
-              <a:t>to make a Graphical User Interface to the model</a:t>
+              <a:t>’ to make a Graphical User Interface to the model</a:t>
             </a:r>
           </a:p>
           <a:p>
@@ -7125,7 +7559,7 @@
 </p:sld>
 </file>
 
-<file path=ppt/slides/slide23.xml><?xml version="1.0" encoding="utf-8"?>
+<file path=ppt/slides/slide26.xml><?xml version="1.0" encoding="utf-8"?>
 <p:sld xmlns:a="http://schemas.openxmlformats.org/drawingml/2006/main" xmlns:r="http://schemas.openxmlformats.org/officeDocument/2006/relationships" xmlns:p="http://schemas.openxmlformats.org/presentationml/2006/main">
   <p:cSld>
     <p:spTree>
@@ -7184,7 +7618,7 @@
 </p:sld>
 </file>
 
-<file path=ppt/slides/slide24.xml><?xml version="1.0" encoding="utf-8"?>
+<file path=ppt/slides/slide27.xml><?xml version="1.0" encoding="utf-8"?>
 <p:sld xmlns:a="http://schemas.openxmlformats.org/drawingml/2006/main" xmlns:r="http://schemas.openxmlformats.org/officeDocument/2006/relationships" xmlns:p="http://schemas.openxmlformats.org/presentationml/2006/main">
   <p:cSld>
     <p:spTree>
@@ -7278,7 +7712,7 @@
 </p:sld>
 </file>
 
-<file path=ppt/slides/slide25.xml><?xml version="1.0" encoding="utf-8"?>
+<file path=ppt/slides/slide28.xml><?xml version="1.0" encoding="utf-8"?>
 <p:sld xmlns:a="http://schemas.openxmlformats.org/drawingml/2006/main" xmlns:r="http://schemas.openxmlformats.org/officeDocument/2006/relationships" xmlns:p="http://schemas.openxmlformats.org/presentationml/2006/main">
   <p:cSld>
     <p:spTree>
@@ -7311,10 +7745,9 @@
           <a:lstStyle/>
           <a:p>
             <a:r>
-              <a:rPr lang="en-IN" dirty="0" smtClean="0"/>
+              <a:rPr lang="en-IN" dirty="0"/>
               <a:t>RESULTS</a:t>
             </a:r>
-            <a:endParaRPr lang="en-IN" dirty="0"/>
           </a:p>
         </p:txBody>
       </p:sp>
@@ -7360,7 +7793,7 @@
 </p:sld>
 </file>
 
-<file path=ppt/slides/slide26.xml><?xml version="1.0" encoding="utf-8"?>
+<file path=ppt/slides/slide29.xml><?xml version="1.0" encoding="utf-8"?>
 <p:sld xmlns:a="http://schemas.openxmlformats.org/drawingml/2006/main" xmlns:r="http://schemas.openxmlformats.org/officeDocument/2006/relationships" xmlns:p="http://schemas.openxmlformats.org/presentationml/2006/main">
   <p:cSld>
     <p:bg>
@@ -7616,321 +8049,6 @@
 </p:sld>
 </file>
 
-<file path=ppt/slides/slide27.xml><?xml version="1.0" encoding="utf-8"?>
-<p:sld xmlns:a="http://schemas.openxmlformats.org/drawingml/2006/main" xmlns:r="http://schemas.openxmlformats.org/officeDocument/2006/relationships" xmlns:p="http://schemas.openxmlformats.org/presentationml/2006/main">
-  <p:cSld>
-    <p:spTree>
-      <p:nvGrpSpPr>
-        <p:cNvPr id="1" name=""/>
-        <p:cNvGrpSpPr/>
-        <p:nvPr/>
-      </p:nvGrpSpPr>
-      <p:grpSpPr>
-        <a:xfrm>
-          <a:off x="0" y="0"/>
-          <a:ext cx="0" cy="0"/>
-          <a:chOff x="0" y="0"/>
-          <a:chExt cx="0" cy="0"/>
-        </a:xfrm>
-      </p:grpSpPr>
-      <p:sp>
-        <p:nvSpPr>
-          <p:cNvPr id="2" name="Title 1"/>
-          <p:cNvSpPr>
-            <a:spLocks noGrp="1"/>
-          </p:cNvSpPr>
-          <p:nvPr>
-            <p:ph type="title"/>
-          </p:nvPr>
-        </p:nvSpPr>
-        <p:spPr/>
-        <p:txBody>
-          <a:bodyPr/>
-          <a:lstStyle/>
-          <a:p>
-            <a:r>
-              <a:rPr lang="en-IN"/>
-              <a:t>Comparative Study</a:t>
-            </a:r>
-          </a:p>
-        </p:txBody>
-      </p:sp>
-      <p:pic>
-        <p:nvPicPr>
-          <p:cNvPr id="7" name="Picture 7" descr="A screenshot of a cell phone&#10;&#10;Description generated with very high confidence">
-            <a:extLst>
-              <a:ext uri="{FF2B5EF4-FFF2-40B4-BE49-F238E27FC236}">
-                <a16:creationId xmlns:a16="http://schemas.microsoft.com/office/drawing/2014/main" xmlns="" id="{1AB1B163-FFF9-4BDE-9CEE-C1C77A87A791}"/>
-              </a:ext>
-            </a:extLst>
-          </p:cNvPr>
-          <p:cNvPicPr>
-            <a:picLocks noGrp="1" noChangeAspect="1"/>
-          </p:cNvPicPr>
-          <p:nvPr>
-            <p:ph idx="1"/>
-          </p:nvPr>
-        </p:nvPicPr>
-        <p:blipFill>
-          <a:blip r:embed="rId2"/>
-          <a:stretch>
-            <a:fillRect/>
-          </a:stretch>
-        </p:blipFill>
-        <p:spPr>
-          <a:xfrm>
-            <a:off x="2351355" y="2011163"/>
-            <a:ext cx="7288204" cy="4757802"/>
-          </a:xfrm>
-        </p:spPr>
-      </p:pic>
-    </p:spTree>
-    <p:extLst>
-      <p:ext uri="{BB962C8B-B14F-4D97-AF65-F5344CB8AC3E}">
-        <p14:creationId xmlns:p14="http://schemas.microsoft.com/office/powerpoint/2010/main" val="2523142533"/>
-      </p:ext>
-    </p:extLst>
-  </p:cSld>
-  <p:clrMapOvr>
-    <a:masterClrMapping/>
-  </p:clrMapOvr>
-</p:sld>
-</file>
-
-<file path=ppt/slides/slide28.xml><?xml version="1.0" encoding="utf-8"?>
-<p:sld xmlns:a="http://schemas.openxmlformats.org/drawingml/2006/main" xmlns:r="http://schemas.openxmlformats.org/officeDocument/2006/relationships" xmlns:p="http://schemas.openxmlformats.org/presentationml/2006/main">
-  <p:cSld>
-    <p:spTree>
-      <p:nvGrpSpPr>
-        <p:cNvPr id="1" name=""/>
-        <p:cNvGrpSpPr/>
-        <p:nvPr/>
-      </p:nvGrpSpPr>
-      <p:grpSpPr>
-        <a:xfrm>
-          <a:off x="0" y="0"/>
-          <a:ext cx="0" cy="0"/>
-          <a:chOff x="0" y="0"/>
-          <a:chExt cx="0" cy="0"/>
-        </a:xfrm>
-      </p:grpSpPr>
-      <p:sp>
-        <p:nvSpPr>
-          <p:cNvPr id="2" name="Title 1"/>
-          <p:cNvSpPr>
-            <a:spLocks noGrp="1"/>
-          </p:cNvSpPr>
-          <p:nvPr>
-            <p:ph type="title"/>
-          </p:nvPr>
-        </p:nvSpPr>
-        <p:spPr/>
-        <p:txBody>
-          <a:bodyPr/>
-          <a:lstStyle/>
-          <a:p>
-            <a:r>
-              <a:rPr lang="en-IN"/>
-              <a:t>CONCLUSION</a:t>
-            </a:r>
-          </a:p>
-        </p:txBody>
-      </p:sp>
-      <p:sp>
-        <p:nvSpPr>
-          <p:cNvPr id="3" name="Content Placeholder 2"/>
-          <p:cNvSpPr>
-            <a:spLocks noGrp="1"/>
-          </p:cNvSpPr>
-          <p:nvPr>
-            <p:ph idx="1"/>
-          </p:nvPr>
-        </p:nvSpPr>
-        <p:spPr/>
-        <p:txBody>
-          <a:bodyPr/>
-          <a:lstStyle/>
-          <a:p>
-            <a:pPr marL="305435" indent="-305435" algn="ctr">
-              <a:spcBef>
-                <a:spcPts val="0"/>
-              </a:spcBef>
-              <a:spcAft>
-                <a:spcPts val="0"/>
-              </a:spcAft>
-            </a:pPr>
-            <a:r>
-              <a:rPr lang="en-US" sz="2000">
-                <a:latin typeface="Calibri"/>
-                <a:cs typeface="Calibri"/>
-              </a:rPr>
-              <a:t>As we can observe, there is plenty of scope in the field of Bio-Medical Informatics for us, as budding Computer Science students to explore and implement ground-breaking algorithms &amp; machine learning pipelines to extract meaningful inferences that can directly help people. </a:t>
-            </a:r>
-            <a:endParaRPr lang="en-US" sz="2000">
-              <a:ea typeface="+mn-lt"/>
-              <a:cs typeface="+mn-lt"/>
-            </a:endParaRPr>
-          </a:p>
-          <a:p>
-            <a:pPr marL="0" indent="0" algn="ctr">
-              <a:spcBef>
-                <a:spcPts val="0"/>
-              </a:spcBef>
-              <a:spcAft>
-                <a:spcPts val="0"/>
-              </a:spcAft>
-              <a:buNone/>
-            </a:pPr>
-            <a:r>
-              <a:rPr lang="en-US" sz="2000">
-                <a:ea typeface="+mn-lt"/>
-                <a:cs typeface="+mn-lt"/>
-              </a:rPr>
-              <a:t>It is our conviction that we would contribute to this ever-growing field and improve our initial understandings.</a:t>
-            </a:r>
-          </a:p>
-          <a:p>
-            <a:pPr marL="305435" indent="-305435"/>
-            <a:endParaRPr lang="en-IN" dirty="0"/>
-          </a:p>
-        </p:txBody>
-      </p:sp>
-    </p:spTree>
-    <p:extLst>
-      <p:ext uri="{BB962C8B-B14F-4D97-AF65-F5344CB8AC3E}">
-        <p14:creationId xmlns:p14="http://schemas.microsoft.com/office/powerpoint/2010/main" val="2318599544"/>
-      </p:ext>
-    </p:extLst>
-  </p:cSld>
-  <p:clrMapOvr>
-    <a:masterClrMapping/>
-  </p:clrMapOvr>
-</p:sld>
-</file>
-
-<file path=ppt/slides/slide29.xml><?xml version="1.0" encoding="utf-8"?>
-<p:sld xmlns:a="http://schemas.openxmlformats.org/drawingml/2006/main" xmlns:r="http://schemas.openxmlformats.org/officeDocument/2006/relationships" xmlns:p="http://schemas.openxmlformats.org/presentationml/2006/main">
-  <p:cSld>
-    <p:spTree>
-      <p:nvGrpSpPr>
-        <p:cNvPr id="1" name=""/>
-        <p:cNvGrpSpPr/>
-        <p:nvPr/>
-      </p:nvGrpSpPr>
-      <p:grpSpPr>
-        <a:xfrm>
-          <a:off x="0" y="0"/>
-          <a:ext cx="0" cy="0"/>
-          <a:chOff x="0" y="0"/>
-          <a:chExt cx="0" cy="0"/>
-        </a:xfrm>
-      </p:grpSpPr>
-      <p:sp>
-        <p:nvSpPr>
-          <p:cNvPr id="2" name="Title 1"/>
-          <p:cNvSpPr>
-            <a:spLocks noGrp="1"/>
-          </p:cNvSpPr>
-          <p:nvPr>
-            <p:ph type="title"/>
-          </p:nvPr>
-        </p:nvSpPr>
-        <p:spPr/>
-        <p:txBody>
-          <a:bodyPr/>
-          <a:lstStyle/>
-          <a:p>
-            <a:r>
-              <a:rPr lang="en-IN"/>
-              <a:t>Acknowledgment</a:t>
-            </a:r>
-          </a:p>
-        </p:txBody>
-      </p:sp>
-      <p:sp>
-        <p:nvSpPr>
-          <p:cNvPr id="3" name="Content Placeholder 2"/>
-          <p:cNvSpPr>
-            <a:spLocks noGrp="1"/>
-          </p:cNvSpPr>
-          <p:nvPr>
-            <p:ph idx="1"/>
-          </p:nvPr>
-        </p:nvSpPr>
-        <p:spPr/>
-        <p:txBody>
-          <a:bodyPr/>
-          <a:lstStyle/>
-          <a:p>
-            <a:pPr marL="0" indent="0" algn="ctr">
-              <a:spcBef>
-                <a:spcPts val="0"/>
-              </a:spcBef>
-              <a:spcAft>
-                <a:spcPts val="0"/>
-              </a:spcAft>
-              <a:buNone/>
-            </a:pPr>
-            <a:r>
-              <a:rPr lang="en-US" sz="2000" dirty="0">
-                <a:latin typeface="Calibri"/>
-                <a:cs typeface="Calibri"/>
-              </a:rPr>
-              <a:t>We would like to thank our mentor Mr. </a:t>
-            </a:r>
-            <a:r>
-              <a:rPr lang="en-US" sz="2000" dirty="0" err="1">
-                <a:latin typeface="Calibri"/>
-                <a:cs typeface="Calibri"/>
-              </a:rPr>
-              <a:t>Sabyasachi</a:t>
-            </a:r>
-            <a:r>
-              <a:rPr lang="en-US" sz="2000" dirty="0">
-                <a:latin typeface="Calibri"/>
-                <a:cs typeface="Calibri"/>
-              </a:rPr>
-              <a:t> Mukherjee Sir, for his continuous guidance during the preparation for this topic. </a:t>
-            </a:r>
-            <a:endParaRPr lang="en-US" sz="2000" dirty="0">
-              <a:ea typeface="+mn-lt"/>
-              <a:cs typeface="+mn-lt"/>
-            </a:endParaRPr>
-          </a:p>
-          <a:p>
-            <a:pPr marL="0" indent="0" algn="ctr">
-              <a:spcBef>
-                <a:spcPts val="0"/>
-              </a:spcBef>
-              <a:spcAft>
-                <a:spcPts val="0"/>
-              </a:spcAft>
-              <a:buNone/>
-            </a:pPr>
-            <a:r>
-              <a:rPr lang="en-US" sz="2000" dirty="0">
-                <a:latin typeface="Calibri"/>
-                <a:cs typeface="Calibri"/>
-              </a:rPr>
-              <a:t>We would like to thank the Head of Computer Science &amp; Engineering department, Dr. Monish Chatterjee for providing us with the opportunity to explore such technological fields.</a:t>
-            </a:r>
-            <a:endParaRPr lang="en-IN" sz="2000" dirty="0"/>
-          </a:p>
-        </p:txBody>
-      </p:sp>
-    </p:spTree>
-    <p:extLst>
-      <p:ext uri="{BB962C8B-B14F-4D97-AF65-F5344CB8AC3E}">
-        <p14:creationId xmlns:p14="http://schemas.microsoft.com/office/powerpoint/2010/main" val="534460931"/>
-      </p:ext>
-    </p:extLst>
-  </p:cSld>
-  <p:clrMapOvr>
-    <a:masterClrMapping/>
-  </p:clrMapOvr>
-</p:sld>
-</file>
-
 <file path=ppt/slides/slide3.xml><?xml version="1.0" encoding="utf-8"?>
 <p:sld xmlns:a="http://schemas.openxmlformats.org/drawingml/2006/main" xmlns:r="http://schemas.openxmlformats.org/officeDocument/2006/relationships" xmlns:p="http://schemas.openxmlformats.org/presentationml/2006/main">
   <p:cSld>
@@ -8074,6 +8192,318 @@
           <a:p>
             <a:r>
               <a:rPr lang="en-IN"/>
+              <a:t>Comparative Study</a:t>
+            </a:r>
+          </a:p>
+        </p:txBody>
+      </p:sp>
+      <p:pic>
+        <p:nvPicPr>
+          <p:cNvPr id="4" name="Content Placeholder 3"/>
+          <p:cNvPicPr>
+            <a:picLocks noGrp="1" noChangeAspect="1"/>
+          </p:cNvPicPr>
+          <p:nvPr>
+            <p:ph idx="1"/>
+          </p:nvPr>
+        </p:nvPicPr>
+        <p:blipFill>
+          <a:blip r:embed="rId2">
+            <a:extLst>
+              <a:ext uri="{28A0092B-C50C-407E-A947-70E740481C1C}">
+                <a14:useLocalDpi xmlns:a14="http://schemas.microsoft.com/office/drawing/2010/main" val="0"/>
+              </a:ext>
+            </a:extLst>
+          </a:blip>
+          <a:stretch>
+            <a:fillRect/>
+          </a:stretch>
+        </p:blipFill>
+        <p:spPr>
+          <a:xfrm>
+            <a:off x="2276856" y="1982821"/>
+            <a:ext cx="7281133" cy="4745322"/>
+          </a:xfrm>
+        </p:spPr>
+      </p:pic>
+    </p:spTree>
+    <p:extLst>
+      <p:ext uri="{BB962C8B-B14F-4D97-AF65-F5344CB8AC3E}">
+        <p14:creationId xmlns:p14="http://schemas.microsoft.com/office/powerpoint/2010/main" val="2523142533"/>
+      </p:ext>
+    </p:extLst>
+  </p:cSld>
+  <p:clrMapOvr>
+    <a:masterClrMapping/>
+  </p:clrMapOvr>
+</p:sld>
+</file>
+
+<file path=ppt/slides/slide31.xml><?xml version="1.0" encoding="utf-8"?>
+<p:sld xmlns:a="http://schemas.openxmlformats.org/drawingml/2006/main" xmlns:r="http://schemas.openxmlformats.org/officeDocument/2006/relationships" xmlns:p="http://schemas.openxmlformats.org/presentationml/2006/main">
+  <p:cSld>
+    <p:spTree>
+      <p:nvGrpSpPr>
+        <p:cNvPr id="1" name=""/>
+        <p:cNvGrpSpPr/>
+        <p:nvPr/>
+      </p:nvGrpSpPr>
+      <p:grpSpPr>
+        <a:xfrm>
+          <a:off x="0" y="0"/>
+          <a:ext cx="0" cy="0"/>
+          <a:chOff x="0" y="0"/>
+          <a:chExt cx="0" cy="0"/>
+        </a:xfrm>
+      </p:grpSpPr>
+      <p:sp>
+        <p:nvSpPr>
+          <p:cNvPr id="2" name="Title 1"/>
+          <p:cNvSpPr>
+            <a:spLocks noGrp="1"/>
+          </p:cNvSpPr>
+          <p:nvPr>
+            <p:ph type="title"/>
+          </p:nvPr>
+        </p:nvSpPr>
+        <p:spPr/>
+        <p:txBody>
+          <a:bodyPr/>
+          <a:lstStyle/>
+          <a:p>
+            <a:r>
+              <a:rPr lang="en-IN"/>
+              <a:t>CONCLUSION</a:t>
+            </a:r>
+          </a:p>
+        </p:txBody>
+      </p:sp>
+      <p:sp>
+        <p:nvSpPr>
+          <p:cNvPr id="3" name="Content Placeholder 2"/>
+          <p:cNvSpPr>
+            <a:spLocks noGrp="1"/>
+          </p:cNvSpPr>
+          <p:nvPr>
+            <p:ph idx="1"/>
+          </p:nvPr>
+        </p:nvSpPr>
+        <p:spPr/>
+        <p:txBody>
+          <a:bodyPr/>
+          <a:lstStyle/>
+          <a:p>
+            <a:pPr marL="305435" indent="-305435">
+              <a:spcBef>
+                <a:spcPts val="0"/>
+              </a:spcBef>
+              <a:spcAft>
+                <a:spcPts val="0"/>
+              </a:spcAft>
+            </a:pPr>
+            <a:r>
+              <a:rPr lang="en-US" sz="2000" dirty="0">
+                <a:latin typeface="Calibri"/>
+                <a:cs typeface="Calibri"/>
+              </a:rPr>
+              <a:t>As we can observe, there is plenty of scope in the field of Bio-Medical Informatics for us, as budding Computer Science students to explore and implement ground-breaking algorithms &amp; machine learning pipelines to extract meaningful inferences that can directly help people. </a:t>
+            </a:r>
+            <a:endParaRPr lang="en-US" sz="2000" dirty="0">
+              <a:ea typeface="+mn-lt"/>
+              <a:cs typeface="+mn-lt"/>
+            </a:endParaRPr>
+          </a:p>
+          <a:p>
+            <a:pPr>
+              <a:spcBef>
+                <a:spcPts val="0"/>
+              </a:spcBef>
+              <a:spcAft>
+                <a:spcPts val="0"/>
+              </a:spcAft>
+            </a:pPr>
+            <a:r>
+              <a:rPr lang="en-US" sz="2000" dirty="0">
+                <a:ea typeface="+mn-lt"/>
+                <a:cs typeface="+mn-lt"/>
+              </a:rPr>
+              <a:t>It is our conviction that we would contribute to this ever-growing field and improve our initial understandings.</a:t>
+            </a:r>
+          </a:p>
+          <a:p>
+            <a:pPr marL="305435" indent="-305435"/>
+            <a:endParaRPr lang="en-IN" dirty="0"/>
+          </a:p>
+        </p:txBody>
+      </p:sp>
+    </p:spTree>
+    <p:extLst>
+      <p:ext uri="{BB962C8B-B14F-4D97-AF65-F5344CB8AC3E}">
+        <p14:creationId xmlns:p14="http://schemas.microsoft.com/office/powerpoint/2010/main" val="2318599544"/>
+      </p:ext>
+    </p:extLst>
+  </p:cSld>
+  <p:clrMapOvr>
+    <a:masterClrMapping/>
+  </p:clrMapOvr>
+</p:sld>
+</file>
+
+<file path=ppt/slides/slide32.xml><?xml version="1.0" encoding="utf-8"?>
+<p:sld xmlns:a="http://schemas.openxmlformats.org/drawingml/2006/main" xmlns:r="http://schemas.openxmlformats.org/officeDocument/2006/relationships" xmlns:p="http://schemas.openxmlformats.org/presentationml/2006/main">
+  <p:cSld>
+    <p:spTree>
+      <p:nvGrpSpPr>
+        <p:cNvPr id="1" name=""/>
+        <p:cNvGrpSpPr/>
+        <p:nvPr/>
+      </p:nvGrpSpPr>
+      <p:grpSpPr>
+        <a:xfrm>
+          <a:off x="0" y="0"/>
+          <a:ext cx="0" cy="0"/>
+          <a:chOff x="0" y="0"/>
+          <a:chExt cx="0" cy="0"/>
+        </a:xfrm>
+      </p:grpSpPr>
+      <p:sp>
+        <p:nvSpPr>
+          <p:cNvPr id="2" name="Title 1"/>
+          <p:cNvSpPr>
+            <a:spLocks noGrp="1"/>
+          </p:cNvSpPr>
+          <p:nvPr>
+            <p:ph type="title"/>
+          </p:nvPr>
+        </p:nvSpPr>
+        <p:spPr/>
+        <p:txBody>
+          <a:bodyPr/>
+          <a:lstStyle/>
+          <a:p>
+            <a:r>
+              <a:rPr lang="en-IN"/>
+              <a:t>Acknowledgment</a:t>
+            </a:r>
+          </a:p>
+        </p:txBody>
+      </p:sp>
+      <p:sp>
+        <p:nvSpPr>
+          <p:cNvPr id="3" name="Content Placeholder 2"/>
+          <p:cNvSpPr>
+            <a:spLocks noGrp="1"/>
+          </p:cNvSpPr>
+          <p:nvPr>
+            <p:ph idx="1"/>
+          </p:nvPr>
+        </p:nvSpPr>
+        <p:spPr/>
+        <p:txBody>
+          <a:bodyPr/>
+          <a:lstStyle/>
+          <a:p>
+            <a:pPr>
+              <a:spcBef>
+                <a:spcPts val="0"/>
+              </a:spcBef>
+              <a:spcAft>
+                <a:spcPts val="0"/>
+              </a:spcAft>
+            </a:pPr>
+            <a:r>
+              <a:rPr lang="en-US" sz="2000" dirty="0">
+                <a:latin typeface="Calibri"/>
+                <a:cs typeface="Calibri"/>
+              </a:rPr>
+              <a:t>We would like to thank our mentor Mr. </a:t>
+            </a:r>
+            <a:r>
+              <a:rPr lang="en-US" sz="2000" dirty="0" err="1">
+                <a:latin typeface="Calibri"/>
+                <a:cs typeface="Calibri"/>
+              </a:rPr>
+              <a:t>Sabyasachi</a:t>
+            </a:r>
+            <a:r>
+              <a:rPr lang="en-US" sz="2000" dirty="0">
+                <a:latin typeface="Calibri"/>
+                <a:cs typeface="Calibri"/>
+              </a:rPr>
+              <a:t> Mukherjee Sir, for his continuous guidance during the preparation for this topic. </a:t>
+            </a:r>
+            <a:endParaRPr lang="en-US" sz="2000" dirty="0">
+              <a:ea typeface="+mn-lt"/>
+              <a:cs typeface="+mn-lt"/>
+            </a:endParaRPr>
+          </a:p>
+          <a:p>
+            <a:pPr>
+              <a:spcBef>
+                <a:spcPts val="0"/>
+              </a:spcBef>
+              <a:spcAft>
+                <a:spcPts val="0"/>
+              </a:spcAft>
+            </a:pPr>
+            <a:r>
+              <a:rPr lang="en-US" sz="2000" dirty="0">
+                <a:latin typeface="Calibri"/>
+                <a:cs typeface="Calibri"/>
+              </a:rPr>
+              <a:t>We would like to thank the Head of Computer Science &amp; Engineering department, Dr. Monish Chatterjee for providing us with the opportunity to explore such technological fields.</a:t>
+            </a:r>
+            <a:endParaRPr lang="en-IN" sz="2000" dirty="0"/>
+          </a:p>
+        </p:txBody>
+      </p:sp>
+    </p:spTree>
+    <p:extLst>
+      <p:ext uri="{BB962C8B-B14F-4D97-AF65-F5344CB8AC3E}">
+        <p14:creationId xmlns:p14="http://schemas.microsoft.com/office/powerpoint/2010/main" val="534460931"/>
+      </p:ext>
+    </p:extLst>
+  </p:cSld>
+  <p:clrMapOvr>
+    <a:masterClrMapping/>
+  </p:clrMapOvr>
+</p:sld>
+</file>
+
+<file path=ppt/slides/slide33.xml><?xml version="1.0" encoding="utf-8"?>
+<p:sld xmlns:a="http://schemas.openxmlformats.org/drawingml/2006/main" xmlns:r="http://schemas.openxmlformats.org/officeDocument/2006/relationships" xmlns:p="http://schemas.openxmlformats.org/presentationml/2006/main">
+  <p:cSld>
+    <p:spTree>
+      <p:nvGrpSpPr>
+        <p:cNvPr id="1" name=""/>
+        <p:cNvGrpSpPr/>
+        <p:nvPr/>
+      </p:nvGrpSpPr>
+      <p:grpSpPr>
+        <a:xfrm>
+          <a:off x="0" y="0"/>
+          <a:ext cx="0" cy="0"/>
+          <a:chOff x="0" y="0"/>
+          <a:chExt cx="0" cy="0"/>
+        </a:xfrm>
+      </p:grpSpPr>
+      <p:sp>
+        <p:nvSpPr>
+          <p:cNvPr id="2" name="Title 1"/>
+          <p:cNvSpPr>
+            <a:spLocks noGrp="1"/>
+          </p:cNvSpPr>
+          <p:nvPr>
+            <p:ph type="title"/>
+          </p:nvPr>
+        </p:nvSpPr>
+        <p:spPr/>
+        <p:txBody>
+          <a:bodyPr/>
+          <a:lstStyle/>
+          <a:p>
+            <a:r>
+              <a:rPr lang="en-IN"/>
               <a:t>REFERENCES</a:t>
             </a:r>
           </a:p>
@@ -8097,7 +8527,7 @@
         </p:spPr>
         <p:txBody>
           <a:bodyPr>
-            <a:normAutofit lnSpcReduction="10000"/>
+            <a:normAutofit/>
           </a:bodyPr>
           <a:lstStyle/>
           <a:p>
@@ -8133,12 +8563,10 @@
               <a:buNone/>
             </a:pPr>
             <a:r>
-              <a:rPr lang="en-US" dirty="0">
-                <a:latin typeface="Calibri"/>
-                <a:cs typeface="Calibri"/>
-                <a:hlinkClick r:id="" action="ppaction://noaction"/>
-              </a:rPr>
-              <a:t>http://archive.ics.uci.edu/ml/machine-learning-databases/heart-disease/</a:t>
+              <a:rPr lang="en-IN" dirty="0">
+                <a:hlinkClick r:id="rId2"/>
+              </a:rPr>
+              <a:t>https://archive.ics.uci.edu/ml/datasets/ILPD+(Indian+Liver+Patient+Dataset)</a:t>
             </a:r>
             <a:endParaRPr lang="en-US" dirty="0">
               <a:ea typeface="+mn-lt"/>
@@ -8155,6 +8583,27 @@
               </a:spcAft>
               <a:buNone/>
             </a:pPr>
+            <a:r>
+              <a:rPr lang="en-US" dirty="0">
+                <a:latin typeface="Calibri"/>
+                <a:cs typeface="Calibri"/>
+              </a:rPr>
+              <a:t>2. The Python in-built machine learning module "</a:t>
+            </a:r>
+            <a:r>
+              <a:rPr lang="en-US" dirty="0" err="1">
+                <a:latin typeface="Calibri"/>
+                <a:cs typeface="Calibri"/>
+              </a:rPr>
+              <a:t>Scikit</a:t>
+            </a:r>
+            <a:r>
+              <a:rPr lang="en-US" dirty="0">
+                <a:latin typeface="Calibri"/>
+                <a:cs typeface="Calibri"/>
+              </a:rPr>
+              <a:t>-Learn"</a:t>
+            </a:r>
             <a:endParaRPr lang="en-US" dirty="0">
               <a:ea typeface="+mn-lt"/>
               <a:cs typeface="+mn-lt"/>
@@ -8174,22 +8623,9 @@
               <a:rPr lang="en-US" dirty="0">
                 <a:latin typeface="Calibri"/>
                 <a:cs typeface="Calibri"/>
-              </a:rPr>
-              <a:t>2. The Python in-built machine learning module "</a:t>
-            </a:r>
-            <a:r>
-              <a:rPr lang="en-US" dirty="0" err="1">
-                <a:latin typeface="Calibri"/>
-                <a:cs typeface="Calibri"/>
-              </a:rPr>
-              <a:t>Scikit</a:t>
-            </a:r>
-            <a:r>
-              <a:rPr lang="en-US" dirty="0">
-                <a:latin typeface="Calibri"/>
-                <a:cs typeface="Calibri"/>
-              </a:rPr>
-              <a:t>-Learn"</a:t>
+                <a:hlinkClick r:id="rId3"/>
+              </a:rPr>
+              <a:t>https://scikit-learn.org/stable/</a:t>
             </a:r>
             <a:endParaRPr lang="en-US" dirty="0">
               <a:ea typeface="+mn-lt"/>
@@ -8206,14 +8642,6 @@
               </a:spcAft>
               <a:buNone/>
             </a:pPr>
-            <a:r>
-              <a:rPr lang="en-US" dirty="0">
-                <a:latin typeface="Calibri"/>
-                <a:cs typeface="Calibri"/>
-                <a:hlinkClick r:id="rId2"/>
-              </a:rPr>
-              <a:t>https://scikit-learn.org/stable/</a:t>
-            </a:r>
             <a:endParaRPr lang="en-US" dirty="0">
               <a:ea typeface="+mn-lt"/>
               <a:cs typeface="+mn-lt"/>
@@ -8229,6 +8657,27 @@
               </a:spcAft>
               <a:buNone/>
             </a:pPr>
+            <a:r>
+              <a:rPr lang="en-US" dirty="0">
+                <a:latin typeface="Calibri"/>
+                <a:cs typeface="Calibri"/>
+              </a:rPr>
+              <a:t>3. Understanding of the Algorithms and various Data Science </a:t>
+            </a:r>
+            <a:r>
+              <a:rPr lang="en-US" dirty="0" err="1">
+                <a:latin typeface="Calibri"/>
+                <a:cs typeface="Calibri"/>
+              </a:rPr>
+              <a:t>costructs</a:t>
+            </a:r>
+            <a:r>
+              <a:rPr lang="en-US" dirty="0">
+                <a:latin typeface="Calibri"/>
+                <a:cs typeface="Calibri"/>
+              </a:rPr>
+              <a:t> from the popular MOOC by Andrew Ng</a:t>
+            </a:r>
             <a:endParaRPr lang="en-US" dirty="0">
               <a:ea typeface="+mn-lt"/>
               <a:cs typeface="+mn-lt"/>
@@ -8248,26 +8697,13 @@
               <a:rPr lang="en-US" dirty="0">
                 <a:latin typeface="Calibri"/>
                 <a:cs typeface="Calibri"/>
-              </a:rPr>
-              <a:t>3. Understanding of the Algorithms and various Data Science </a:t>
-            </a:r>
-            <a:r>
-              <a:rPr lang="en-US" dirty="0" err="1">
-                <a:latin typeface="Calibri"/>
-                <a:cs typeface="Calibri"/>
-              </a:rPr>
-              <a:t>costructs</a:t>
-            </a:r>
-            <a:r>
-              <a:rPr lang="en-US" dirty="0">
-                <a:latin typeface="Calibri"/>
-                <a:cs typeface="Calibri"/>
-              </a:rPr>
-              <a:t> from the popular MOOC by Andrew Ng</a:t>
+                <a:hlinkClick r:id="rId4"/>
+              </a:rPr>
+              <a:t>https://www.coursera.org/learn/machine-learning-with-python</a:t>
             </a:r>
             <a:endParaRPr lang="en-US" dirty="0">
-              <a:ea typeface="+mn-lt"/>
-              <a:cs typeface="+mn-lt"/>
+              <a:latin typeface="Calibri"/>
+              <a:cs typeface="Calibri"/>
             </a:endParaRPr>
           </a:p>
           <a:p>
@@ -8280,23 +8716,7 @@
               </a:spcAft>
               <a:buNone/>
             </a:pPr>
-            <a:r>
-              <a:rPr lang="en-US" dirty="0">
-                <a:latin typeface="Calibri"/>
-                <a:cs typeface="Calibri"/>
-                <a:hlinkClick r:id="rId3"/>
-              </a:rPr>
-              <a:t>https://</a:t>
-            </a:r>
-            <a:r>
-              <a:rPr lang="en-US" dirty="0" smtClean="0">
-                <a:latin typeface="Calibri"/>
-                <a:cs typeface="Calibri"/>
-                <a:hlinkClick r:id="rId3"/>
-              </a:rPr>
-              <a:t>www.coursera.org/learn/machine-learning-with-python</a:t>
-            </a:r>
-            <a:endParaRPr lang="en-US" dirty="0" smtClean="0">
+            <a:endParaRPr lang="en-US" dirty="0">
               <a:latin typeface="Calibri"/>
               <a:cs typeface="Calibri"/>
             </a:endParaRPr>
@@ -8311,10 +8731,13 @@
               </a:spcAft>
               <a:buNone/>
             </a:pPr>
-            <a:endParaRPr lang="en-US" dirty="0">
-              <a:latin typeface="Calibri"/>
-              <a:cs typeface="Calibri"/>
-            </a:endParaRPr>
+            <a:r>
+              <a:rPr lang="en-US" dirty="0">
+                <a:latin typeface="Calibri"/>
+                <a:cs typeface="Calibri"/>
+              </a:rPr>
+              <a:t>4. Genetic Algorithm Implementation</a:t>
+            </a:r>
           </a:p>
           <a:p>
             <a:pPr marL="0" indent="0">
@@ -8327,19 +8750,12 @@
               <a:buNone/>
             </a:pPr>
             <a:r>
-              <a:rPr lang="en-US" dirty="0">
-                <a:latin typeface="Calibri"/>
-                <a:cs typeface="Calibri"/>
-              </a:rPr>
-              <a:t>4</a:t>
-            </a:r>
-            <a:r>
-              <a:rPr lang="en-US" dirty="0" smtClean="0">
-                <a:latin typeface="Calibri"/>
-                <a:cs typeface="Calibri"/>
-              </a:rPr>
-              <a:t>. Genetic Algorithm Implementation</a:t>
-            </a:r>
+              <a:rPr lang="en-US" u="sng" dirty="0">
+                <a:hlinkClick r:id="rId5"/>
+              </a:rPr>
+              <a:t>https://bmcbioinformatics.biomedcentral.com/articles/10.1186/1471-2105-15-S16-S11</a:t>
+            </a:r>
+            <a:endParaRPr lang="en-IN" dirty="0"/>
           </a:p>
           <a:p>
             <a:pPr marL="0" indent="0">
@@ -8351,13 +8767,10 @@
               </a:spcAft>
               <a:buNone/>
             </a:pPr>
-            <a:r>
-              <a:rPr lang="en-US" u="sng" dirty="0">
-                <a:hlinkClick r:id="rId4"/>
-              </a:rPr>
-              <a:t>https://bmcbioinformatics.biomedcentral.com/articles/10.1186/1471-2105-15-S16-S11</a:t>
-            </a:r>
-            <a:endParaRPr lang="en-IN" dirty="0"/>
+            <a:endParaRPr lang="en-US" dirty="0">
+              <a:ea typeface="+mn-lt"/>
+              <a:cs typeface="+mn-lt"/>
+            </a:endParaRPr>
           </a:p>
           <a:p>
             <a:pPr marL="0" indent="0">
@@ -8369,10 +8782,13 @@
               </a:spcAft>
               <a:buNone/>
             </a:pPr>
-            <a:endParaRPr lang="en-US" dirty="0">
-              <a:ea typeface="+mn-lt"/>
-              <a:cs typeface="+mn-lt"/>
-            </a:endParaRPr>
+            <a:r>
+              <a:rPr lang="en-US" dirty="0">
+                <a:latin typeface="Calibri"/>
+                <a:cs typeface="Calibri"/>
+              </a:rPr>
+              <a:t>5. More information on Genetic Algorithm</a:t>
+            </a:r>
           </a:p>
           <a:p>
             <a:pPr marL="0" indent="0">
@@ -8385,12 +8801,12 @@
               <a:buNone/>
             </a:pPr>
             <a:r>
-              <a:rPr lang="en-US" dirty="0" smtClean="0">
-                <a:latin typeface="Calibri"/>
-                <a:cs typeface="Calibri"/>
-              </a:rPr>
-              <a:t>5. More information on Genetic Algorithm</a:t>
-            </a:r>
+              <a:rPr lang="en-US" u="sng" dirty="0">
+                <a:hlinkClick r:id="rId6"/>
+              </a:rPr>
+              <a:t>https://blog.coast.ai/lets-evolve-a-neural-network-with-a-genetic-algorithm-code-included-8809bece164</a:t>
+            </a:r>
+            <a:endParaRPr lang="en-IN" dirty="0"/>
           </a:p>
           <a:p>
             <a:pPr marL="0" indent="0">
@@ -8402,13 +8818,10 @@
               </a:spcAft>
               <a:buNone/>
             </a:pPr>
-            <a:r>
-              <a:rPr lang="en-US" u="sng" dirty="0">
-                <a:hlinkClick r:id="rId5"/>
-              </a:rPr>
-              <a:t>https://blog.coast.ai/lets-evolve-a-neural-network-with-a-genetic-algorithm-code-included-8809bece164</a:t>
-            </a:r>
-            <a:endParaRPr lang="en-IN" dirty="0"/>
+            <a:endParaRPr lang="en-US" dirty="0">
+              <a:ea typeface="+mn-lt"/>
+              <a:cs typeface="+mn-lt"/>
+            </a:endParaRPr>
           </a:p>
           <a:p>
             <a:pPr marL="0" indent="0">
@@ -8421,8 +8834,8 @@
               <a:buNone/>
             </a:pPr>
             <a:endParaRPr lang="en-US" dirty="0">
-              <a:ea typeface="+mn-lt"/>
-              <a:cs typeface="+mn-lt"/>
+              <a:latin typeface="Calibri"/>
+              <a:cs typeface="Calibri"/>
             </a:endParaRPr>
           </a:p>
           <a:p>
@@ -8435,7 +8848,7 @@
               </a:spcAft>
               <a:buNone/>
             </a:pPr>
-            <a:endParaRPr lang="en-US" dirty="0" smtClean="0">
+            <a:endParaRPr lang="en-US" dirty="0">
               <a:latin typeface="Calibri"/>
               <a:cs typeface="Calibri"/>
             </a:endParaRPr>
@@ -8451,21 +8864,6 @@
               <a:buNone/>
             </a:pPr>
             <a:endParaRPr lang="en-US" dirty="0">
-              <a:latin typeface="Calibri"/>
-              <a:cs typeface="Calibri"/>
-            </a:endParaRPr>
-          </a:p>
-          <a:p>
-            <a:pPr marL="0" indent="0">
-              <a:spcBef>
-                <a:spcPts val="0"/>
-              </a:spcBef>
-              <a:spcAft>
-                <a:spcPts val="0"/>
-              </a:spcAft>
-              <a:buNone/>
-            </a:pPr>
-            <a:endParaRPr lang="en-US" dirty="0" smtClean="0">
               <a:latin typeface="Calibri"/>
               <a:cs typeface="Calibri"/>
             </a:endParaRPr>
@@ -8637,10 +9035,6 @@
               </a:rPr>
               <a:t>Some popular definitions are as follows </a:t>
             </a:r>
-            <a:endParaRPr lang="en-US" sz="2000" dirty="0" smtClean="0">
-              <a:ea typeface="+mn-lt"/>
-              <a:cs typeface="+mn-lt"/>
-            </a:endParaRPr>
           </a:p>
           <a:p>
             <a:pPr marL="0" indent="0">
@@ -8672,14 +9066,7 @@
                 <a:ea typeface="+mn-lt"/>
                 <a:cs typeface="+mn-lt"/>
               </a:rPr>
-              <a:t>Field of study that gives computers the ability to learn without being explicitly programmed</a:t>
-            </a:r>
-            <a:r>
-              <a:rPr lang="en-US" sz="2000" dirty="0" smtClean="0">
-                <a:ea typeface="+mn-lt"/>
-                <a:cs typeface="+mn-lt"/>
-              </a:rPr>
-              <a:t>.</a:t>
+              <a:t>Field of study that gives computers the ability to learn without being explicitly programmed.</a:t>
             </a:r>
           </a:p>
           <a:p>
@@ -8862,10 +9249,9 @@
           <a:lstStyle/>
           <a:p>
             <a:r>
-              <a:rPr lang="en-IN" dirty="0" smtClean="0"/>
+              <a:rPr lang="en-IN" dirty="0"/>
               <a:t>TYPES OF MACHINE LEARNING</a:t>
             </a:r>
-            <a:endParaRPr lang="en-IN" dirty="0"/>
           </a:p>
         </p:txBody>
       </p:sp>
@@ -8885,37 +9271,36 @@
           <a:lstStyle/>
           <a:p>
             <a:r>
-              <a:rPr lang="en-IN" dirty="0" smtClean="0"/>
+              <a:rPr lang="en-IN" dirty="0"/>
               <a:t>Supervised Learning</a:t>
             </a:r>
           </a:p>
           <a:p>
             <a:pPr lvl="1"/>
             <a:r>
-              <a:rPr lang="en-IN" dirty="0" smtClean="0"/>
+              <a:rPr lang="en-IN" dirty="0"/>
               <a:t>Linear Regression</a:t>
             </a:r>
           </a:p>
           <a:p>
             <a:pPr lvl="1"/>
             <a:r>
-              <a:rPr lang="en-IN" dirty="0" smtClean="0"/>
+              <a:rPr lang="en-IN" dirty="0"/>
               <a:t>Logistic Regression</a:t>
             </a:r>
           </a:p>
           <a:p>
             <a:r>
-              <a:rPr lang="en-IN" dirty="0" smtClean="0"/>
+              <a:rPr lang="en-IN" dirty="0"/>
               <a:t>Unsupervised Learning</a:t>
             </a:r>
           </a:p>
           <a:p>
             <a:pPr lvl="1"/>
             <a:r>
-              <a:rPr lang="en-IN" dirty="0" smtClean="0"/>
+              <a:rPr lang="en-IN" dirty="0"/>
               <a:t>Clustering</a:t>
             </a:r>
-            <a:endParaRPr lang="en-IN" dirty="0"/>
           </a:p>
         </p:txBody>
       </p:sp>
@@ -9009,11 +9394,11 @@
               <a:t>. It is a popular dataset referenced in literature various times through different research papers on the classification algorithms. There are total </a:t>
             </a:r>
             <a:r>
-              <a:rPr lang="en-IN" b="1" dirty="0">
+              <a:rPr lang="en-IN" b="1" dirty="0" smtClean="0">
                 <a:ea typeface="+mn-lt"/>
                 <a:cs typeface="+mn-lt"/>
               </a:rPr>
-              <a:t>583 </a:t>
+              <a:t>582 </a:t>
             </a:r>
             <a:r>
               <a:rPr lang="en-IN" dirty="0">
@@ -9434,21 +9819,7 @@
                 <a:ea typeface="+mn-lt"/>
                 <a:cs typeface="+mn-lt"/>
               </a:rPr>
-              <a:t> - Selector field used to split the data into two sets (</a:t>
-            </a:r>
-            <a:r>
-              <a:rPr lang="en-IN" dirty="0" err="1">
-                <a:ea typeface="+mn-lt"/>
-                <a:cs typeface="+mn-lt"/>
-              </a:rPr>
-              <a:t>labeled</a:t>
-            </a:r>
-            <a:r>
-              <a:rPr lang="en-IN" dirty="0">
-                <a:ea typeface="+mn-lt"/>
-                <a:cs typeface="+mn-lt"/>
-              </a:rPr>
-              <a:t> by the experts)</a:t>
+              <a:t> – Prediction Variable</a:t>
             </a:r>
             <a:endParaRPr lang="en-IN" dirty="0"/>
           </a:p>
@@ -9458,6 +9829,36 @@
           </a:p>
         </p:txBody>
       </p:sp>
+      <p:pic>
+        <p:nvPicPr>
+          <p:cNvPr id="4" name="Picture 3"/>
+          <p:cNvPicPr>
+            <a:picLocks noChangeAspect="1"/>
+          </p:cNvPicPr>
+          <p:nvPr/>
+        </p:nvPicPr>
+        <p:blipFill>
+          <a:blip r:embed="rId2">
+            <a:extLst>
+              <a:ext uri="{28A0092B-C50C-407E-A947-70E740481C1C}">
+                <a14:useLocalDpi xmlns:a14="http://schemas.microsoft.com/office/drawing/2010/main" val="0"/>
+              </a:ext>
+            </a:extLst>
+          </a:blip>
+          <a:stretch>
+            <a:fillRect/>
+          </a:stretch>
+        </p:blipFill>
+        <p:spPr>
+          <a:xfrm>
+            <a:off x="5071502" y="2688335"/>
+            <a:ext cx="6539305" cy="3259229"/>
+          </a:xfrm>
+          <a:prstGeom prst="rect">
+            <a:avLst/>
+          </a:prstGeom>
+        </p:spPr>
+      </p:pic>
     </p:spTree>
     <p:extLst>
       <p:ext uri="{BB962C8B-B14F-4D97-AF65-F5344CB8AC3E}">
@@ -9504,10 +9905,9 @@
           <a:lstStyle/>
           <a:p>
             <a:r>
-              <a:rPr lang="en-IN" dirty="0" smtClean="0"/>
+              <a:rPr lang="en-IN" dirty="0"/>
               <a:t>GENDER Distribution</a:t>
             </a:r>
-            <a:endParaRPr lang="en-IN" dirty="0"/>
           </a:p>
         </p:txBody>
       </p:sp>
